--- a/DE/Population Evolvability.pptx
+++ b/DE/Population Evolvability.pptx
@@ -13,8 +13,13 @@
     <p:sldId id="261" r:id="rId7"/>
     <p:sldId id="262" r:id="rId8"/>
     <p:sldId id="263" r:id="rId9"/>
-    <p:sldId id="264" r:id="rId10"/>
-    <p:sldId id="265" r:id="rId11"/>
+    <p:sldId id="266" r:id="rId10"/>
+    <p:sldId id="264" r:id="rId11"/>
+    <p:sldId id="265" r:id="rId12"/>
+    <p:sldId id="267" r:id="rId13"/>
+    <p:sldId id="268" r:id="rId14"/>
+    <p:sldId id="269" r:id="rId15"/>
+    <p:sldId id="270" r:id="rId16"/>
   </p:sldIdLst>
   <p:sldSz cx="12192000" cy="6858000"/>
   <p:notesSz cx="6858000" cy="9144000"/>
@@ -113,6 +118,11 @@
       </a:defRPr>
     </a:lvl9pPr>
   </p:defaultTextStyle>
+  <p:extLst>
+    <p:ext uri="{EFAFB233-063F-42B5-8137-9DF3F51BA10A}">
+      <p15:sldGuideLst xmlns:p15="http://schemas.microsoft.com/office/powerpoint/2012/main"/>
+    </p:ext>
+  </p:extLst>
 </p:presentation>
 </file>
 
@@ -263,7 +273,7 @@
           <a:p>
             <a:fld id="{970492E6-BA30-4FE6-B233-6379A7D136CC}" type="datetimeFigureOut">
               <a:rPr lang="zh-CN" altLang="en-US" smtClean="0"/>
-              <a:t>2019/11/7</a:t>
+              <a:t>2019/11/22</a:t>
             </a:fld>
             <a:endParaRPr lang="zh-CN" altLang="en-US"/>
           </a:p>
@@ -461,7 +471,7 @@
           <a:p>
             <a:fld id="{970492E6-BA30-4FE6-B233-6379A7D136CC}" type="datetimeFigureOut">
               <a:rPr lang="zh-CN" altLang="en-US" smtClean="0"/>
-              <a:t>2019/11/7</a:t>
+              <a:t>2019/11/22</a:t>
             </a:fld>
             <a:endParaRPr lang="zh-CN" altLang="en-US"/>
           </a:p>
@@ -669,7 +679,7 @@
           <a:p>
             <a:fld id="{970492E6-BA30-4FE6-B233-6379A7D136CC}" type="datetimeFigureOut">
               <a:rPr lang="zh-CN" altLang="en-US" smtClean="0"/>
-              <a:t>2019/11/7</a:t>
+              <a:t>2019/11/22</a:t>
             </a:fld>
             <a:endParaRPr lang="zh-CN" altLang="en-US"/>
           </a:p>
@@ -867,7 +877,7 @@
           <a:p>
             <a:fld id="{970492E6-BA30-4FE6-B233-6379A7D136CC}" type="datetimeFigureOut">
               <a:rPr lang="zh-CN" altLang="en-US" smtClean="0"/>
-              <a:t>2019/11/7</a:t>
+              <a:t>2019/11/22</a:t>
             </a:fld>
             <a:endParaRPr lang="zh-CN" altLang="en-US"/>
           </a:p>
@@ -1142,7 +1152,7 @@
           <a:p>
             <a:fld id="{970492E6-BA30-4FE6-B233-6379A7D136CC}" type="datetimeFigureOut">
               <a:rPr lang="zh-CN" altLang="en-US" smtClean="0"/>
-              <a:t>2019/11/7</a:t>
+              <a:t>2019/11/22</a:t>
             </a:fld>
             <a:endParaRPr lang="zh-CN" altLang="en-US"/>
           </a:p>
@@ -1407,7 +1417,7 @@
           <a:p>
             <a:fld id="{970492E6-BA30-4FE6-B233-6379A7D136CC}" type="datetimeFigureOut">
               <a:rPr lang="zh-CN" altLang="en-US" smtClean="0"/>
-              <a:t>2019/11/7</a:t>
+              <a:t>2019/11/22</a:t>
             </a:fld>
             <a:endParaRPr lang="zh-CN" altLang="en-US"/>
           </a:p>
@@ -1819,7 +1829,7 @@
           <a:p>
             <a:fld id="{970492E6-BA30-4FE6-B233-6379A7D136CC}" type="datetimeFigureOut">
               <a:rPr lang="zh-CN" altLang="en-US" smtClean="0"/>
-              <a:t>2019/11/7</a:t>
+              <a:t>2019/11/22</a:t>
             </a:fld>
             <a:endParaRPr lang="zh-CN" altLang="en-US"/>
           </a:p>
@@ -1960,7 +1970,7 @@
           <a:p>
             <a:fld id="{970492E6-BA30-4FE6-B233-6379A7D136CC}" type="datetimeFigureOut">
               <a:rPr lang="zh-CN" altLang="en-US" smtClean="0"/>
-              <a:t>2019/11/7</a:t>
+              <a:t>2019/11/22</a:t>
             </a:fld>
             <a:endParaRPr lang="zh-CN" altLang="en-US"/>
           </a:p>
@@ -2073,7 +2083,7 @@
           <a:p>
             <a:fld id="{970492E6-BA30-4FE6-B233-6379A7D136CC}" type="datetimeFigureOut">
               <a:rPr lang="zh-CN" altLang="en-US" smtClean="0"/>
-              <a:t>2019/11/7</a:t>
+              <a:t>2019/11/22</a:t>
             </a:fld>
             <a:endParaRPr lang="zh-CN" altLang="en-US"/>
           </a:p>
@@ -2384,7 +2394,7 @@
           <a:p>
             <a:fld id="{970492E6-BA30-4FE6-B233-6379A7D136CC}" type="datetimeFigureOut">
               <a:rPr lang="zh-CN" altLang="en-US" smtClean="0"/>
-              <a:t>2019/11/7</a:t>
+              <a:t>2019/11/22</a:t>
             </a:fld>
             <a:endParaRPr lang="zh-CN" altLang="en-US"/>
           </a:p>
@@ -2672,7 +2682,7 @@
           <a:p>
             <a:fld id="{970492E6-BA30-4FE6-B233-6379A7D136CC}" type="datetimeFigureOut">
               <a:rPr lang="zh-CN" altLang="en-US" smtClean="0"/>
-              <a:t>2019/11/7</a:t>
+              <a:t>2019/11/22</a:t>
             </a:fld>
             <a:endParaRPr lang="zh-CN" altLang="en-US"/>
           </a:p>
@@ -2913,7 +2923,7 @@
           <a:p>
             <a:fld id="{970492E6-BA30-4FE6-B233-6379A7D136CC}" type="datetimeFigureOut">
               <a:rPr lang="zh-CN" altLang="en-US" smtClean="0"/>
-              <a:t>2019/11/7</a:t>
+              <a:t>2019/11/22</a:t>
             </a:fld>
             <a:endParaRPr lang="zh-CN" altLang="en-US"/>
           </a:p>
@@ -3435,6 +3445,100 @@
           <p:cNvPr id="2" name="标题 1">
             <a:extLst>
               <a:ext uri="{FF2B5EF4-FFF2-40B4-BE49-F238E27FC236}">
+                <a16:creationId xmlns:a16="http://schemas.microsoft.com/office/drawing/2014/main" id="{4E106144-DBD3-42D5-A024-7FCD2BDFFF82}"/>
+              </a:ext>
+            </a:extLst>
+          </p:cNvPr>
+          <p:cNvSpPr>
+            <a:spLocks noGrp="1"/>
+          </p:cNvSpPr>
+          <p:nvPr>
+            <p:ph type="title"/>
+          </p:nvPr>
+        </p:nvSpPr>
+        <p:spPr/>
+        <p:txBody>
+          <a:bodyPr/>
+          <a:lstStyle/>
+          <a:p>
+            <a:r>
+              <a:rPr lang="en-US" altLang="zh-CN" dirty="0" err="1"/>
+              <a:t>Evp</a:t>
+            </a:r>
+            <a:r>
+              <a:rPr lang="zh-CN" altLang="en-US" dirty="0"/>
+              <a:t>总体框架</a:t>
+            </a:r>
+          </a:p>
+        </p:txBody>
+      </p:sp>
+      <p:pic>
+        <p:nvPicPr>
+          <p:cNvPr id="4" name="内容占位符 3">
+            <a:extLst>
+              <a:ext uri="{FF2B5EF4-FFF2-40B4-BE49-F238E27FC236}">
+                <a16:creationId xmlns:a16="http://schemas.microsoft.com/office/drawing/2014/main" id="{1B443EA7-13F5-4B1E-A7F6-5468FFC88930}"/>
+              </a:ext>
+            </a:extLst>
+          </p:cNvPr>
+          <p:cNvPicPr>
+            <a:picLocks noGrp="1" noChangeAspect="1"/>
+          </p:cNvPicPr>
+          <p:nvPr>
+            <p:ph idx="1"/>
+          </p:nvPr>
+        </p:nvPicPr>
+        <p:blipFill>
+          <a:blip r:embed="rId2"/>
+          <a:stretch>
+            <a:fillRect/>
+          </a:stretch>
+        </p:blipFill>
+        <p:spPr>
+          <a:xfrm>
+            <a:off x="3373396" y="1621739"/>
+            <a:ext cx="5001840" cy="4351338"/>
+          </a:xfrm>
+          <a:prstGeom prst="rect">
+            <a:avLst/>
+          </a:prstGeom>
+        </p:spPr>
+      </p:pic>
+    </p:spTree>
+    <p:extLst>
+      <p:ext uri="{BB962C8B-B14F-4D97-AF65-F5344CB8AC3E}">
+        <p14:creationId xmlns:p14="http://schemas.microsoft.com/office/powerpoint/2010/main" val="2958391325"/>
+      </p:ext>
+    </p:extLst>
+  </p:cSld>
+  <p:clrMapOvr>
+    <a:masterClrMapping/>
+  </p:clrMapOvr>
+</p:sld>
+</file>
+
+<file path=ppt/slides/slide11.xml><?xml version="1.0" encoding="utf-8"?>
+<p:sld xmlns:a="http://schemas.openxmlformats.org/drawingml/2006/main" xmlns:r="http://schemas.openxmlformats.org/officeDocument/2006/relationships" xmlns:p="http://schemas.openxmlformats.org/presentationml/2006/main">
+  <p:cSld>
+    <p:spTree>
+      <p:nvGrpSpPr>
+        <p:cNvPr id="1" name=""/>
+        <p:cNvGrpSpPr/>
+        <p:nvPr/>
+      </p:nvGrpSpPr>
+      <p:grpSpPr>
+        <a:xfrm>
+          <a:off x="0" y="0"/>
+          <a:ext cx="0" cy="0"/>
+          <a:chOff x="0" y="0"/>
+          <a:chExt cx="0" cy="0"/>
+        </a:xfrm>
+      </p:grpSpPr>
+      <p:sp>
+        <p:nvSpPr>
+          <p:cNvPr id="2" name="标题 1">
+            <a:extLst>
+              <a:ext uri="{FF2B5EF4-FFF2-40B4-BE49-F238E27FC236}">
                 <a16:creationId xmlns:a16="http://schemas.microsoft.com/office/drawing/2014/main" id="{19B33A61-7FFD-43D7-B881-B3B4D198D485}"/>
               </a:ext>
             </a:extLst>
@@ -3635,6 +3739,1272 @@
 </p:sld>
 </file>
 
+<file path=ppt/slides/slide12.xml><?xml version="1.0" encoding="utf-8"?>
+<p:sld xmlns:a="http://schemas.openxmlformats.org/drawingml/2006/main" xmlns:r="http://schemas.openxmlformats.org/officeDocument/2006/relationships" xmlns:p="http://schemas.openxmlformats.org/presentationml/2006/main">
+  <p:cSld>
+    <p:spTree>
+      <p:nvGrpSpPr>
+        <p:cNvPr id="1" name=""/>
+        <p:cNvGrpSpPr/>
+        <p:nvPr/>
+      </p:nvGrpSpPr>
+      <p:grpSpPr>
+        <a:xfrm>
+          <a:off x="0" y="0"/>
+          <a:ext cx="0" cy="0"/>
+          <a:chOff x="0" y="0"/>
+          <a:chExt cx="0" cy="0"/>
+        </a:xfrm>
+      </p:grpSpPr>
+      <p:sp>
+        <p:nvSpPr>
+          <p:cNvPr id="3" name="副标题 2">
+            <a:extLst>
+              <a:ext uri="{FF2B5EF4-FFF2-40B4-BE49-F238E27FC236}">
+                <a16:creationId xmlns:a16="http://schemas.microsoft.com/office/drawing/2014/main" id="{7C9F9383-7CD0-4550-99A3-6250C439DD07}"/>
+              </a:ext>
+            </a:extLst>
+          </p:cNvPr>
+          <p:cNvSpPr>
+            <a:spLocks noGrp="1"/>
+          </p:cNvSpPr>
+          <p:nvPr>
+            <p:ph type="subTitle" idx="1"/>
+          </p:nvPr>
+        </p:nvSpPr>
+        <p:spPr>
+          <a:xfrm>
+            <a:off x="1190368" y="988584"/>
+            <a:ext cx="9144000" cy="1655762"/>
+          </a:xfrm>
+        </p:spPr>
+        <p:txBody>
+          <a:bodyPr/>
+          <a:lstStyle/>
+          <a:p>
+            <a:r>
+              <a:rPr lang="en-US" altLang="zh-CN" dirty="0"/>
+              <a:t>BP</a:t>
+            </a:r>
+            <a:r>
+              <a:rPr lang="zh-CN" altLang="en-US" dirty="0"/>
+              <a:t>神经网络</a:t>
+            </a:r>
+            <a:endParaRPr lang="en-US" altLang="zh-CN" dirty="0"/>
+          </a:p>
+          <a:p>
+            <a:endParaRPr lang="zh-CN" altLang="en-US" dirty="0"/>
+          </a:p>
+        </p:txBody>
+      </p:sp>
+    </p:spTree>
+    <p:extLst>
+      <p:ext uri="{BB962C8B-B14F-4D97-AF65-F5344CB8AC3E}">
+        <p14:creationId xmlns:p14="http://schemas.microsoft.com/office/powerpoint/2010/main" val="3659988878"/>
+      </p:ext>
+    </p:extLst>
+  </p:cSld>
+  <p:clrMapOvr>
+    <a:masterClrMapping/>
+  </p:clrMapOvr>
+</p:sld>
+</file>
+
+<file path=ppt/slides/slide13.xml><?xml version="1.0" encoding="utf-8"?>
+<p:sld xmlns:a="http://schemas.openxmlformats.org/drawingml/2006/main" xmlns:r="http://schemas.openxmlformats.org/officeDocument/2006/relationships" xmlns:p="http://schemas.openxmlformats.org/presentationml/2006/main">
+  <p:cSld>
+    <p:bg>
+      <p:bgPr>
+        <a:solidFill>
+          <a:schemeClr val="bg1"/>
+        </a:solidFill>
+        <a:effectLst/>
+      </p:bgPr>
+    </p:bg>
+    <p:spTree>
+      <p:nvGrpSpPr>
+        <p:cNvPr id="1" name=""/>
+        <p:cNvGrpSpPr/>
+        <p:nvPr/>
+      </p:nvGrpSpPr>
+      <p:grpSpPr>
+        <a:xfrm>
+          <a:off x="0" y="0"/>
+          <a:ext cx="0" cy="0"/>
+          <a:chOff x="0" y="0"/>
+          <a:chExt cx="0" cy="0"/>
+        </a:xfrm>
+      </p:grpSpPr>
+      <p:sp useBgFill="1">
+        <p:nvSpPr>
+          <p:cNvPr id="16" name="Rectangle 15">
+            <a:extLst>
+              <a:ext uri="{FF2B5EF4-FFF2-40B4-BE49-F238E27FC236}">
+                <a16:creationId xmlns:a16="http://schemas.microsoft.com/office/drawing/2014/main" id="{AA474011-A49D-4C7A-BF41-0ACD0A2693B3}"/>
+              </a:ext>
+              <a:ext uri="{C183D7F6-B498-43B3-948B-1728B52AA6E4}">
+                <adec:decorative xmlns:adec="http://schemas.microsoft.com/office/drawing/2017/decorative" val="1"/>
+              </a:ext>
+            </a:extLst>
+          </p:cNvPr>
+          <p:cNvSpPr>
+            <a:spLocks noGrp="1" noRot="1" noChangeAspect="1" noMove="1" noResize="1" noEditPoints="1" noAdjustHandles="1" noChangeArrowheads="1" noChangeShapeType="1" noTextEdit="1"/>
+          </p:cNvSpPr>
+          <p:nvPr>
+            <p:extLst>
+              <p:ext uri="{386F3935-93C4-4BCD-93E2-E3B085C9AB24}">
+                <p16:designElem xmlns:p16="http://schemas.microsoft.com/office/powerpoint/2015/main" val="1"/>
+              </p:ext>
+            </p:extLst>
+          </p:nvPr>
+        </p:nvSpPr>
+        <p:spPr>
+          <a:xfrm>
+            <a:off x="0" y="0"/>
+            <a:ext cx="12192000" cy="6858000"/>
+          </a:xfrm>
+          <a:prstGeom prst="rect">
+            <a:avLst/>
+          </a:prstGeom>
+          <a:ln>
+            <a:noFill/>
+          </a:ln>
+        </p:spPr>
+        <p:style>
+          <a:lnRef idx="2">
+            <a:schemeClr val="accent1">
+              <a:shade val="50000"/>
+            </a:schemeClr>
+          </a:lnRef>
+          <a:fillRef idx="1">
+            <a:schemeClr val="accent1"/>
+          </a:fillRef>
+          <a:effectRef idx="0">
+            <a:schemeClr val="accent1"/>
+          </a:effectRef>
+          <a:fontRef idx="minor">
+            <a:schemeClr val="lt1"/>
+          </a:fontRef>
+        </p:style>
+        <p:txBody>
+          <a:bodyPr rtlCol="0" anchor="ctr"/>
+          <a:lstStyle/>
+          <a:p>
+            <a:pPr algn="ctr"/>
+            <a:endParaRPr lang="en-US"/>
+          </a:p>
+        </p:txBody>
+      </p:sp>
+      <p:sp useBgFill="1">
+        <p:nvSpPr>
+          <p:cNvPr id="18" name="Rectangle 17">
+            <a:extLst>
+              <a:ext uri="{FF2B5EF4-FFF2-40B4-BE49-F238E27FC236}">
+                <a16:creationId xmlns:a16="http://schemas.microsoft.com/office/drawing/2014/main" id="{6D72081E-AD41-4FBB-B02B-698A68DBCA5E}"/>
+              </a:ext>
+              <a:ext uri="{C183D7F6-B498-43B3-948B-1728B52AA6E4}">
+                <adec:decorative xmlns:adec="http://schemas.microsoft.com/office/drawing/2017/decorative" val="1"/>
+              </a:ext>
+            </a:extLst>
+          </p:cNvPr>
+          <p:cNvSpPr>
+            <a:spLocks noGrp="1" noRot="1" noChangeAspect="1" noMove="1" noResize="1" noEditPoints="1" noAdjustHandles="1" noChangeArrowheads="1" noChangeShapeType="1" noTextEdit="1"/>
+          </p:cNvSpPr>
+          <p:nvPr>
+            <p:extLst>
+              <p:ext uri="{386F3935-93C4-4BCD-93E2-E3B085C9AB24}">
+                <p16:designElem xmlns:p16="http://schemas.microsoft.com/office/powerpoint/2015/main" val="1"/>
+              </p:ext>
+            </p:extLst>
+          </p:nvPr>
+        </p:nvSpPr>
+        <p:spPr>
+          <a:xfrm>
+            <a:off x="554416" y="4218905"/>
+            <a:ext cx="11167447" cy="2089317"/>
+          </a:xfrm>
+          <a:prstGeom prst="rect">
+            <a:avLst/>
+          </a:prstGeom>
+          <a:ln w="12700">
+            <a:solidFill>
+              <a:srgbClr val="EFEFEF"/>
+            </a:solidFill>
+          </a:ln>
+          <a:effectLst>
+            <a:outerShdw blurRad="50800" dist="38100" dir="2700000" algn="tl" rotWithShape="0">
+              <a:schemeClr val="bg2">
+                <a:lumMod val="85000"/>
+                <a:alpha val="30000"/>
+              </a:schemeClr>
+            </a:outerShdw>
+          </a:effectLst>
+        </p:spPr>
+        <p:style>
+          <a:lnRef idx="2">
+            <a:schemeClr val="accent1">
+              <a:shade val="50000"/>
+            </a:schemeClr>
+          </a:lnRef>
+          <a:fillRef idx="1">
+            <a:schemeClr val="accent1"/>
+          </a:fillRef>
+          <a:effectRef idx="0">
+            <a:schemeClr val="accent1"/>
+          </a:effectRef>
+          <a:fontRef idx="minor">
+            <a:schemeClr val="lt1"/>
+          </a:fontRef>
+        </p:style>
+        <p:txBody>
+          <a:bodyPr rtlCol="0" anchor="ctr"/>
+          <a:lstStyle/>
+          <a:p>
+            <a:pPr marL="0" marR="0" lvl="0" indent="0" algn="ctr" defTabSz="914400" rtl="0" eaLnBrk="1" fontAlgn="auto" latinLnBrk="0" hangingPunct="1">
+              <a:lnSpc>
+                <a:spcPct val="100000"/>
+              </a:lnSpc>
+              <a:spcBef>
+                <a:spcPts val="0"/>
+              </a:spcBef>
+              <a:spcAft>
+                <a:spcPts val="0"/>
+              </a:spcAft>
+              <a:buClrTx/>
+              <a:buSzTx/>
+              <a:buFontTx/>
+              <a:buNone/>
+              <a:tabLst/>
+              <a:defRPr/>
+            </a:pPr>
+            <a:endParaRPr kumimoji="0" lang="en-US" sz="1800" b="0" i="0" u="none" strike="noStrike" kern="1200" cap="none" spc="0" normalizeH="0" baseline="0" noProof="0">
+              <a:ln>
+                <a:noFill/>
+              </a:ln>
+              <a:solidFill>
+                <a:prstClr val="white"/>
+              </a:solidFill>
+              <a:effectLst/>
+              <a:uLnTx/>
+              <a:uFillTx/>
+              <a:latin typeface="Calibri" panose="020F0502020204030204"/>
+              <a:ea typeface="+mn-ea"/>
+              <a:cs typeface="+mn-cs"/>
+            </a:endParaRPr>
+          </a:p>
+        </p:txBody>
+      </p:sp>
+      <p:sp>
+        <p:nvSpPr>
+          <p:cNvPr id="2" name="标题 1">
+            <a:extLst>
+              <a:ext uri="{FF2B5EF4-FFF2-40B4-BE49-F238E27FC236}">
+                <a16:creationId xmlns:a16="http://schemas.microsoft.com/office/drawing/2014/main" id="{B72A6313-0671-4DB3-92BA-D6164982925B}"/>
+              </a:ext>
+            </a:extLst>
+          </p:cNvPr>
+          <p:cNvSpPr>
+            <a:spLocks noGrp="1"/>
+          </p:cNvSpPr>
+          <p:nvPr>
+            <p:ph type="title"/>
+          </p:nvPr>
+        </p:nvSpPr>
+        <p:spPr>
+          <a:xfrm>
+            <a:off x="1051560" y="4444332"/>
+            <a:ext cx="3558466" cy="1645920"/>
+          </a:xfrm>
+          <a:prstGeom prst="ellipse">
+            <a:avLst/>
+          </a:prstGeom>
+        </p:spPr>
+        <p:txBody>
+          <a:bodyPr>
+            <a:normAutofit/>
+          </a:bodyPr>
+          <a:lstStyle/>
+          <a:p>
+            <a:r>
+              <a:rPr lang="zh-CN" altLang="en-US" sz="3200"/>
+              <a:t>感知机</a:t>
+            </a:r>
+          </a:p>
+        </p:txBody>
+      </p:sp>
+      <p:pic>
+        <p:nvPicPr>
+          <p:cNvPr id="4" name="内容占位符 3">
+            <a:extLst>
+              <a:ext uri="{FF2B5EF4-FFF2-40B4-BE49-F238E27FC236}">
+                <a16:creationId xmlns:a16="http://schemas.microsoft.com/office/drawing/2014/main" id="{9AD10C9F-ABB2-4BF4-B3CB-2DE79742DD88}"/>
+              </a:ext>
+            </a:extLst>
+          </p:cNvPr>
+          <p:cNvPicPr>
+            <a:picLocks noChangeAspect="1"/>
+          </p:cNvPicPr>
+          <p:nvPr/>
+        </p:nvPicPr>
+        <p:blipFill>
+          <a:blip r:embed="rId2"/>
+          <a:stretch>
+            <a:fillRect/>
+          </a:stretch>
+        </p:blipFill>
+        <p:spPr>
+          <a:xfrm>
+            <a:off x="866835" y="327049"/>
+            <a:ext cx="3512125" cy="1782403"/>
+          </a:xfrm>
+          <a:prstGeom prst="rect">
+            <a:avLst/>
+          </a:prstGeom>
+        </p:spPr>
+      </p:pic>
+      <p:sp>
+        <p:nvSpPr>
+          <p:cNvPr id="23" name="Rectangle 19">
+            <a:extLst>
+              <a:ext uri="{FF2B5EF4-FFF2-40B4-BE49-F238E27FC236}">
+                <a16:creationId xmlns:a16="http://schemas.microsoft.com/office/drawing/2014/main" id="{716248AD-805F-41BF-9B57-FC53E5B32F98}"/>
+              </a:ext>
+              <a:ext uri="{C183D7F6-B498-43B3-948B-1728B52AA6E4}">
+                <adec:decorative xmlns:adec="http://schemas.microsoft.com/office/drawing/2017/decorative" val="1"/>
+              </a:ext>
+            </a:extLst>
+          </p:cNvPr>
+          <p:cNvSpPr>
+            <a:spLocks noGrp="1" noRot="1" noChangeAspect="1" noMove="1" noResize="1" noEditPoints="1" noAdjustHandles="1" noChangeArrowheads="1" noChangeShapeType="1" noTextEdit="1"/>
+          </p:cNvSpPr>
+          <p:nvPr>
+            <p:extLst>
+              <p:ext uri="{386F3935-93C4-4BCD-93E2-E3B085C9AB24}">
+                <p16:designElem xmlns:p16="http://schemas.microsoft.com/office/powerpoint/2015/main" val="1"/>
+              </p:ext>
+            </p:extLst>
+          </p:nvPr>
+        </p:nvSpPr>
+        <p:spPr>
+          <a:xfrm>
+            <a:off x="490408" y="4911518"/>
+            <a:ext cx="128016" cy="704088"/>
+          </a:xfrm>
+          <a:prstGeom prst="rect">
+            <a:avLst/>
+          </a:prstGeom>
+          <a:solidFill>
+            <a:schemeClr val="accent2"/>
+          </a:solidFill>
+          <a:ln>
+            <a:noFill/>
+          </a:ln>
+        </p:spPr>
+        <p:style>
+          <a:lnRef idx="2">
+            <a:schemeClr val="accent1">
+              <a:shade val="50000"/>
+            </a:schemeClr>
+          </a:lnRef>
+          <a:fillRef idx="1">
+            <a:schemeClr val="accent1"/>
+          </a:fillRef>
+          <a:effectRef idx="0">
+            <a:schemeClr val="accent1"/>
+          </a:effectRef>
+          <a:fontRef idx="minor">
+            <a:schemeClr val="lt1"/>
+          </a:fontRef>
+        </p:style>
+        <p:txBody>
+          <a:bodyPr rtlCol="0" anchor="ctr"/>
+          <a:lstStyle/>
+          <a:p>
+            <a:pPr algn="ctr"/>
+            <a:endParaRPr lang="en-US" dirty="0">
+              <a:solidFill>
+                <a:prstClr val="white"/>
+              </a:solidFill>
+              <a:latin typeface="Calibri" panose="020F0502020204030204"/>
+            </a:endParaRPr>
+          </a:p>
+        </p:txBody>
+      </p:sp>
+      <p:sp>
+        <p:nvSpPr>
+          <p:cNvPr id="22" name="Rectangle 21">
+            <a:extLst>
+              <a:ext uri="{FF2B5EF4-FFF2-40B4-BE49-F238E27FC236}">
+                <a16:creationId xmlns:a16="http://schemas.microsoft.com/office/drawing/2014/main" id="{1F82758F-B2B3-4F0A-BB90-4BFFEDD166D6}"/>
+              </a:ext>
+              <a:ext uri="{C183D7F6-B498-43B3-948B-1728B52AA6E4}">
+                <adec:decorative xmlns:adec="http://schemas.microsoft.com/office/drawing/2017/decorative" val="1"/>
+              </a:ext>
+            </a:extLst>
+          </p:cNvPr>
+          <p:cNvSpPr>
+            <a:spLocks noGrp="1" noRot="1" noChangeAspect="1" noMove="1" noResize="1" noEditPoints="1" noAdjustHandles="1" noChangeArrowheads="1" noChangeShapeType="1" noTextEdit="1"/>
+          </p:cNvSpPr>
+          <p:nvPr>
+            <p:extLst>
+              <p:ext uri="{386F3935-93C4-4BCD-93E2-E3B085C9AB24}">
+                <p16:designElem xmlns:p16="http://schemas.microsoft.com/office/powerpoint/2015/main" val="1"/>
+              </p:ext>
+            </p:extLst>
+          </p:nvPr>
+        </p:nvSpPr>
+        <p:spPr>
+          <a:xfrm rot="5400000">
+            <a:off x="4248113" y="5258990"/>
+            <a:ext cx="1463040" cy="9144"/>
+          </a:xfrm>
+          <a:prstGeom prst="rect">
+            <a:avLst/>
+          </a:prstGeom>
+          <a:solidFill>
+            <a:srgbClr val="D5D5D5"/>
+          </a:solidFill>
+          <a:ln w="3175">
+            <a:noFill/>
+          </a:ln>
+          <a:effectLst/>
+        </p:spPr>
+        <p:style>
+          <a:lnRef idx="2">
+            <a:schemeClr val="accent1">
+              <a:shade val="50000"/>
+            </a:schemeClr>
+          </a:lnRef>
+          <a:fillRef idx="1">
+            <a:schemeClr val="accent1"/>
+          </a:fillRef>
+          <a:effectRef idx="0">
+            <a:schemeClr val="accent1"/>
+          </a:effectRef>
+          <a:fontRef idx="minor">
+            <a:schemeClr val="lt1"/>
+          </a:fontRef>
+        </p:style>
+        <p:txBody>
+          <a:bodyPr rtlCol="0" anchor="ctr"/>
+          <a:lstStyle/>
+          <a:p>
+            <a:pPr algn="ctr"/>
+            <a:endParaRPr lang="en-US">
+              <a:solidFill>
+                <a:prstClr val="white"/>
+              </a:solidFill>
+              <a:latin typeface="Calibri" panose="020F0502020204030204"/>
+            </a:endParaRPr>
+          </a:p>
+        </p:txBody>
+      </p:sp>
+      <p:sp>
+        <p:nvSpPr>
+          <p:cNvPr id="8" name="Content Placeholder 7">
+            <a:extLst>
+              <a:ext uri="{FF2B5EF4-FFF2-40B4-BE49-F238E27FC236}">
+                <a16:creationId xmlns:a16="http://schemas.microsoft.com/office/drawing/2014/main" id="{1DD2202D-E6DB-462A-AB85-1E6529F3AB44}"/>
+              </a:ext>
+            </a:extLst>
+          </p:cNvPr>
+          <p:cNvSpPr>
+            <a:spLocks noGrp="1"/>
+          </p:cNvSpPr>
+          <p:nvPr>
+            <p:ph idx="1"/>
+          </p:nvPr>
+        </p:nvSpPr>
+        <p:spPr>
+          <a:xfrm>
+            <a:off x="5949324" y="378291"/>
+            <a:ext cx="6007608" cy="3929215"/>
+          </a:xfrm>
+        </p:spPr>
+        <p:txBody>
+          <a:bodyPr anchor="ctr">
+            <a:normAutofit/>
+          </a:bodyPr>
+          <a:lstStyle/>
+          <a:p>
+            <a:pPr marL="0" indent="0">
+              <a:buNone/>
+            </a:pPr>
+            <a:r>
+              <a:rPr lang="zh-CN" altLang="en-US" sz="1800" dirty="0"/>
+              <a:t>上图的圆圈就代表一个感知器。它接受多个输入（</a:t>
+            </a:r>
+            <a:r>
+              <a:rPr lang="en-US" altLang="zh-CN" sz="1800" dirty="0"/>
+              <a:t>x1</a:t>
+            </a:r>
+            <a:r>
+              <a:rPr lang="zh-CN" altLang="en-US" sz="1800" dirty="0"/>
+              <a:t>，</a:t>
+            </a:r>
+            <a:r>
+              <a:rPr lang="en-US" altLang="zh-CN" sz="1800" dirty="0"/>
+              <a:t>x2</a:t>
+            </a:r>
+            <a:r>
+              <a:rPr lang="zh-CN" altLang="en-US" sz="1800" dirty="0"/>
+              <a:t>，</a:t>
+            </a:r>
+            <a:r>
+              <a:rPr lang="en-US" altLang="zh-CN" sz="1800" dirty="0"/>
+              <a:t>x3…</a:t>
+            </a:r>
+            <a:r>
+              <a:rPr lang="zh-CN" altLang="en-US" sz="1800" dirty="0"/>
+              <a:t>），产生一个输出（</a:t>
+            </a:r>
+            <a:r>
+              <a:rPr lang="en-US" altLang="zh-CN" sz="1800" dirty="0"/>
+              <a:t>output</a:t>
+            </a:r>
+            <a:r>
+              <a:rPr lang="zh-CN" altLang="en-US" sz="1800" dirty="0"/>
+              <a:t>），好比神经末梢感受各种外部环境的变化，最后产生电信号。为了简化模型，我们约定每种输入只有两种可能：</a:t>
+            </a:r>
+            <a:r>
+              <a:rPr lang="en-US" altLang="zh-CN" sz="1800" dirty="0"/>
+              <a:t>1 </a:t>
+            </a:r>
+            <a:r>
+              <a:rPr lang="zh-CN" altLang="en-US" sz="1800" dirty="0"/>
+              <a:t>或 </a:t>
+            </a:r>
+            <a:r>
+              <a:rPr lang="en-US" altLang="zh-CN" sz="1800" dirty="0"/>
+              <a:t>0</a:t>
+            </a:r>
+            <a:r>
+              <a:rPr lang="zh-CN" altLang="en-US" sz="1800" dirty="0"/>
+              <a:t>。如果所有输入都是</a:t>
+            </a:r>
+            <a:r>
+              <a:rPr lang="en-US" altLang="zh-CN" sz="1800" dirty="0"/>
+              <a:t>1</a:t>
+            </a:r>
+            <a:r>
+              <a:rPr lang="zh-CN" altLang="en-US" sz="1800" dirty="0"/>
+              <a:t>，表示各种条件都成立，输出就是</a:t>
+            </a:r>
+            <a:r>
+              <a:rPr lang="en-US" altLang="zh-CN" sz="1800" dirty="0"/>
+              <a:t>1</a:t>
+            </a:r>
+            <a:r>
+              <a:rPr lang="zh-CN" altLang="en-US" sz="1800" dirty="0"/>
+              <a:t>；如果所有输入都是</a:t>
+            </a:r>
+            <a:r>
+              <a:rPr lang="en-US" altLang="zh-CN" sz="1800" dirty="0"/>
+              <a:t>0</a:t>
+            </a:r>
+            <a:r>
+              <a:rPr lang="zh-CN" altLang="en-US" sz="1800" dirty="0"/>
+              <a:t>，表示条件都不成立，输出就是</a:t>
+            </a:r>
+            <a:r>
+              <a:rPr lang="en-US" altLang="zh-CN" sz="1800" dirty="0"/>
+              <a:t>0</a:t>
+            </a:r>
+            <a:r>
+              <a:rPr lang="zh-CN" altLang="en-US" sz="1800" dirty="0"/>
+              <a:t>。对于输入信号，它们对于输出信号的重要性是不一样的，这种重要性可以用权值来描述。这时，还需要指定一个阈值（</a:t>
+            </a:r>
+            <a:r>
+              <a:rPr lang="en-US" altLang="zh-CN" sz="1800" dirty="0"/>
+              <a:t>threshold</a:t>
+            </a:r>
+            <a:r>
+              <a:rPr lang="zh-CN" altLang="en-US" sz="1800" dirty="0"/>
+              <a:t>）。如果总和大于阈值，感知器输出</a:t>
+            </a:r>
+            <a:r>
+              <a:rPr lang="en-US" altLang="zh-CN" sz="1800" dirty="0"/>
+              <a:t>1</a:t>
+            </a:r>
+            <a:r>
+              <a:rPr lang="zh-CN" altLang="en-US" sz="1800" dirty="0"/>
+              <a:t>，否则输出</a:t>
+            </a:r>
+            <a:r>
+              <a:rPr lang="en-US" altLang="zh-CN" sz="1800" dirty="0"/>
+              <a:t>0</a:t>
+            </a:r>
+            <a:r>
+              <a:rPr lang="zh-CN" altLang="en-US" sz="1800" dirty="0"/>
+              <a:t>。</a:t>
+            </a:r>
+          </a:p>
+        </p:txBody>
+      </p:sp>
+    </p:spTree>
+    <p:extLst>
+      <p:ext uri="{BB962C8B-B14F-4D97-AF65-F5344CB8AC3E}">
+        <p14:creationId xmlns:p14="http://schemas.microsoft.com/office/powerpoint/2010/main" val="2671826812"/>
+      </p:ext>
+    </p:extLst>
+  </p:cSld>
+  <p:clrMapOvr>
+    <a:masterClrMapping/>
+  </p:clrMapOvr>
+</p:sld>
+</file>
+
+<file path=ppt/slides/slide14.xml><?xml version="1.0" encoding="utf-8"?>
+<p:sld xmlns:a="http://schemas.openxmlformats.org/drawingml/2006/main" xmlns:r="http://schemas.openxmlformats.org/officeDocument/2006/relationships" xmlns:p="http://schemas.openxmlformats.org/presentationml/2006/main">
+  <p:cSld>
+    <p:bg>
+      <p:bgPr>
+        <a:solidFill>
+          <a:schemeClr val="bg1"/>
+        </a:solidFill>
+        <a:effectLst/>
+      </p:bgPr>
+    </p:bg>
+    <p:spTree>
+      <p:nvGrpSpPr>
+        <p:cNvPr id="1" name=""/>
+        <p:cNvGrpSpPr/>
+        <p:nvPr/>
+      </p:nvGrpSpPr>
+      <p:grpSpPr>
+        <a:xfrm>
+          <a:off x="0" y="0"/>
+          <a:ext cx="0" cy="0"/>
+          <a:chOff x="0" y="0"/>
+          <a:chExt cx="0" cy="0"/>
+        </a:xfrm>
+      </p:grpSpPr>
+      <p:sp useBgFill="1">
+        <p:nvSpPr>
+          <p:cNvPr id="11" name="Rectangle 10">
+            <a:extLst>
+              <a:ext uri="{FF2B5EF4-FFF2-40B4-BE49-F238E27FC236}">
+                <a16:creationId xmlns:a16="http://schemas.microsoft.com/office/drawing/2014/main" id="{AA474011-A49D-4C7A-BF41-0ACD0A2693B3}"/>
+              </a:ext>
+              <a:ext uri="{C183D7F6-B498-43B3-948B-1728B52AA6E4}">
+                <adec:decorative xmlns:adec="http://schemas.microsoft.com/office/drawing/2017/decorative" val="1"/>
+              </a:ext>
+            </a:extLst>
+          </p:cNvPr>
+          <p:cNvSpPr>
+            <a:spLocks noGrp="1" noRot="1" noChangeAspect="1" noMove="1" noResize="1" noEditPoints="1" noAdjustHandles="1" noChangeArrowheads="1" noChangeShapeType="1" noTextEdit="1"/>
+          </p:cNvSpPr>
+          <p:nvPr>
+            <p:extLst>
+              <p:ext uri="{386F3935-93C4-4BCD-93E2-E3B085C9AB24}">
+                <p16:designElem xmlns:p16="http://schemas.microsoft.com/office/powerpoint/2015/main" val="1"/>
+              </p:ext>
+            </p:extLst>
+          </p:nvPr>
+        </p:nvSpPr>
+        <p:spPr>
+          <a:xfrm>
+            <a:off x="0" y="0"/>
+            <a:ext cx="12192000" cy="6858000"/>
+          </a:xfrm>
+          <a:prstGeom prst="rect">
+            <a:avLst/>
+          </a:prstGeom>
+          <a:ln>
+            <a:noFill/>
+          </a:ln>
+        </p:spPr>
+        <p:style>
+          <a:lnRef idx="2">
+            <a:schemeClr val="accent1">
+              <a:shade val="50000"/>
+            </a:schemeClr>
+          </a:lnRef>
+          <a:fillRef idx="1">
+            <a:schemeClr val="accent1"/>
+          </a:fillRef>
+          <a:effectRef idx="0">
+            <a:schemeClr val="accent1"/>
+          </a:effectRef>
+          <a:fontRef idx="minor">
+            <a:schemeClr val="lt1"/>
+          </a:fontRef>
+        </p:style>
+        <p:txBody>
+          <a:bodyPr rtlCol="0" anchor="ctr"/>
+          <a:lstStyle/>
+          <a:p>
+            <a:pPr algn="ctr"/>
+            <a:endParaRPr lang="en-US"/>
+          </a:p>
+        </p:txBody>
+      </p:sp>
+      <p:sp useBgFill="1">
+        <p:nvSpPr>
+          <p:cNvPr id="13" name="Rectangle 12">
+            <a:extLst>
+              <a:ext uri="{FF2B5EF4-FFF2-40B4-BE49-F238E27FC236}">
+                <a16:creationId xmlns:a16="http://schemas.microsoft.com/office/drawing/2014/main" id="{6D72081E-AD41-4FBB-B02B-698A68DBCA5E}"/>
+              </a:ext>
+              <a:ext uri="{C183D7F6-B498-43B3-948B-1728B52AA6E4}">
+                <adec:decorative xmlns:adec="http://schemas.microsoft.com/office/drawing/2017/decorative" val="1"/>
+              </a:ext>
+            </a:extLst>
+          </p:cNvPr>
+          <p:cNvSpPr>
+            <a:spLocks noGrp="1" noRot="1" noChangeAspect="1" noMove="1" noResize="1" noEditPoints="1" noAdjustHandles="1" noChangeArrowheads="1" noChangeShapeType="1" noTextEdit="1"/>
+          </p:cNvSpPr>
+          <p:nvPr>
+            <p:extLst>
+              <p:ext uri="{386F3935-93C4-4BCD-93E2-E3B085C9AB24}">
+                <p16:designElem xmlns:p16="http://schemas.microsoft.com/office/powerpoint/2015/main" val="1"/>
+              </p:ext>
+            </p:extLst>
+          </p:nvPr>
+        </p:nvSpPr>
+        <p:spPr>
+          <a:xfrm>
+            <a:off x="554416" y="4218905"/>
+            <a:ext cx="11167447" cy="2089317"/>
+          </a:xfrm>
+          <a:prstGeom prst="rect">
+            <a:avLst/>
+          </a:prstGeom>
+          <a:ln w="12700">
+            <a:solidFill>
+              <a:srgbClr val="EFEFEF"/>
+            </a:solidFill>
+          </a:ln>
+          <a:effectLst>
+            <a:outerShdw blurRad="50800" dist="38100" dir="2700000" algn="tl" rotWithShape="0">
+              <a:schemeClr val="bg2">
+                <a:lumMod val="85000"/>
+                <a:alpha val="30000"/>
+              </a:schemeClr>
+            </a:outerShdw>
+          </a:effectLst>
+        </p:spPr>
+        <p:style>
+          <a:lnRef idx="2">
+            <a:schemeClr val="accent1">
+              <a:shade val="50000"/>
+            </a:schemeClr>
+          </a:lnRef>
+          <a:fillRef idx="1">
+            <a:schemeClr val="accent1"/>
+          </a:fillRef>
+          <a:effectRef idx="0">
+            <a:schemeClr val="accent1"/>
+          </a:effectRef>
+          <a:fontRef idx="minor">
+            <a:schemeClr val="lt1"/>
+          </a:fontRef>
+        </p:style>
+        <p:txBody>
+          <a:bodyPr rtlCol="0" anchor="ctr"/>
+          <a:lstStyle/>
+          <a:p>
+            <a:pPr marL="0" marR="0" lvl="0" indent="0" algn="ctr" defTabSz="914400" rtl="0" eaLnBrk="1" fontAlgn="auto" latinLnBrk="0" hangingPunct="1">
+              <a:lnSpc>
+                <a:spcPct val="100000"/>
+              </a:lnSpc>
+              <a:spcBef>
+                <a:spcPts val="0"/>
+              </a:spcBef>
+              <a:spcAft>
+                <a:spcPts val="0"/>
+              </a:spcAft>
+              <a:buClrTx/>
+              <a:buSzTx/>
+              <a:buFontTx/>
+              <a:buNone/>
+              <a:tabLst/>
+              <a:defRPr/>
+            </a:pPr>
+            <a:endParaRPr kumimoji="0" lang="en-US" sz="1800" b="0" i="0" u="none" strike="noStrike" kern="1200" cap="none" spc="0" normalizeH="0" baseline="0" noProof="0">
+              <a:ln>
+                <a:noFill/>
+              </a:ln>
+              <a:solidFill>
+                <a:prstClr val="white"/>
+              </a:solidFill>
+              <a:effectLst/>
+              <a:uLnTx/>
+              <a:uFillTx/>
+              <a:latin typeface="Calibri" panose="020F0502020204030204"/>
+              <a:ea typeface="+mn-ea"/>
+              <a:cs typeface="+mn-cs"/>
+            </a:endParaRPr>
+          </a:p>
+        </p:txBody>
+      </p:sp>
+      <p:sp>
+        <p:nvSpPr>
+          <p:cNvPr id="2" name="标题 1">
+            <a:extLst>
+              <a:ext uri="{FF2B5EF4-FFF2-40B4-BE49-F238E27FC236}">
+                <a16:creationId xmlns:a16="http://schemas.microsoft.com/office/drawing/2014/main" id="{E8A5A441-2E40-4243-862A-F230B3E55CCD}"/>
+              </a:ext>
+            </a:extLst>
+          </p:cNvPr>
+          <p:cNvSpPr>
+            <a:spLocks noGrp="1"/>
+          </p:cNvSpPr>
+          <p:nvPr>
+            <p:ph type="title"/>
+          </p:nvPr>
+        </p:nvSpPr>
+        <p:spPr>
+          <a:xfrm>
+            <a:off x="1051560" y="4444332"/>
+            <a:ext cx="3558466" cy="1645920"/>
+          </a:xfrm>
+        </p:spPr>
+        <p:txBody>
+          <a:bodyPr>
+            <a:normAutofit/>
+          </a:bodyPr>
+          <a:lstStyle/>
+          <a:p>
+            <a:r>
+              <a:rPr lang="zh-CN" altLang="en-US" sz="3200"/>
+              <a:t>神经网络</a:t>
+            </a:r>
+          </a:p>
+        </p:txBody>
+      </p:sp>
+      <p:pic>
+        <p:nvPicPr>
+          <p:cNvPr id="4" name="内容占位符 3">
+            <a:extLst>
+              <a:ext uri="{FF2B5EF4-FFF2-40B4-BE49-F238E27FC236}">
+                <a16:creationId xmlns:a16="http://schemas.microsoft.com/office/drawing/2014/main" id="{9B937EA4-3173-4CBC-B1CF-803277735C2F}"/>
+              </a:ext>
+            </a:extLst>
+          </p:cNvPr>
+          <p:cNvPicPr>
+            <a:picLocks noChangeAspect="1"/>
+          </p:cNvPicPr>
+          <p:nvPr/>
+        </p:nvPicPr>
+        <p:blipFill>
+          <a:blip r:embed="rId2"/>
+          <a:stretch>
+            <a:fillRect/>
+          </a:stretch>
+        </p:blipFill>
+        <p:spPr>
+          <a:xfrm>
+            <a:off x="630725" y="387541"/>
+            <a:ext cx="4718515" cy="3609664"/>
+          </a:xfrm>
+          <a:prstGeom prst="rect">
+            <a:avLst/>
+          </a:prstGeom>
+        </p:spPr>
+      </p:pic>
+      <p:sp>
+        <p:nvSpPr>
+          <p:cNvPr id="15" name="Rectangle 14">
+            <a:extLst>
+              <a:ext uri="{FF2B5EF4-FFF2-40B4-BE49-F238E27FC236}">
+                <a16:creationId xmlns:a16="http://schemas.microsoft.com/office/drawing/2014/main" id="{716248AD-805F-41BF-9B57-FC53E5B32F98}"/>
+              </a:ext>
+              <a:ext uri="{C183D7F6-B498-43B3-948B-1728B52AA6E4}">
+                <adec:decorative xmlns:adec="http://schemas.microsoft.com/office/drawing/2017/decorative" val="1"/>
+              </a:ext>
+            </a:extLst>
+          </p:cNvPr>
+          <p:cNvSpPr>
+            <a:spLocks noGrp="1" noRot="1" noChangeAspect="1" noMove="1" noResize="1" noEditPoints="1" noAdjustHandles="1" noChangeArrowheads="1" noChangeShapeType="1" noTextEdit="1"/>
+          </p:cNvSpPr>
+          <p:nvPr>
+            <p:extLst>
+              <p:ext uri="{386F3935-93C4-4BCD-93E2-E3B085C9AB24}">
+                <p16:designElem xmlns:p16="http://schemas.microsoft.com/office/powerpoint/2015/main" val="1"/>
+              </p:ext>
+            </p:extLst>
+          </p:nvPr>
+        </p:nvSpPr>
+        <p:spPr>
+          <a:xfrm>
+            <a:off x="490408" y="4911518"/>
+            <a:ext cx="128016" cy="704088"/>
+          </a:xfrm>
+          <a:prstGeom prst="rect">
+            <a:avLst/>
+          </a:prstGeom>
+          <a:solidFill>
+            <a:schemeClr val="accent2"/>
+          </a:solidFill>
+          <a:ln>
+            <a:noFill/>
+          </a:ln>
+        </p:spPr>
+        <p:style>
+          <a:lnRef idx="2">
+            <a:schemeClr val="accent1">
+              <a:shade val="50000"/>
+            </a:schemeClr>
+          </a:lnRef>
+          <a:fillRef idx="1">
+            <a:schemeClr val="accent1"/>
+          </a:fillRef>
+          <a:effectRef idx="0">
+            <a:schemeClr val="accent1"/>
+          </a:effectRef>
+          <a:fontRef idx="minor">
+            <a:schemeClr val="lt1"/>
+          </a:fontRef>
+        </p:style>
+        <p:txBody>
+          <a:bodyPr rtlCol="0" anchor="ctr"/>
+          <a:lstStyle/>
+          <a:p>
+            <a:pPr algn="ctr"/>
+            <a:endParaRPr lang="en-US" dirty="0">
+              <a:solidFill>
+                <a:prstClr val="white"/>
+              </a:solidFill>
+              <a:latin typeface="Calibri" panose="020F0502020204030204"/>
+            </a:endParaRPr>
+          </a:p>
+        </p:txBody>
+      </p:sp>
+      <p:sp>
+        <p:nvSpPr>
+          <p:cNvPr id="17" name="Rectangle 16">
+            <a:extLst>
+              <a:ext uri="{FF2B5EF4-FFF2-40B4-BE49-F238E27FC236}">
+                <a16:creationId xmlns:a16="http://schemas.microsoft.com/office/drawing/2014/main" id="{1F82758F-B2B3-4F0A-BB90-4BFFEDD166D6}"/>
+              </a:ext>
+              <a:ext uri="{C183D7F6-B498-43B3-948B-1728B52AA6E4}">
+                <adec:decorative xmlns:adec="http://schemas.microsoft.com/office/drawing/2017/decorative" val="1"/>
+              </a:ext>
+            </a:extLst>
+          </p:cNvPr>
+          <p:cNvSpPr>
+            <a:spLocks noGrp="1" noRot="1" noChangeAspect="1" noMove="1" noResize="1" noEditPoints="1" noAdjustHandles="1" noChangeArrowheads="1" noChangeShapeType="1" noTextEdit="1"/>
+          </p:cNvSpPr>
+          <p:nvPr>
+            <p:extLst>
+              <p:ext uri="{386F3935-93C4-4BCD-93E2-E3B085C9AB24}">
+                <p16:designElem xmlns:p16="http://schemas.microsoft.com/office/powerpoint/2015/main" val="1"/>
+              </p:ext>
+            </p:extLst>
+          </p:nvPr>
+        </p:nvSpPr>
+        <p:spPr>
+          <a:xfrm rot="5400000">
+            <a:off x="4248113" y="5258990"/>
+            <a:ext cx="1463040" cy="9144"/>
+          </a:xfrm>
+          <a:prstGeom prst="rect">
+            <a:avLst/>
+          </a:prstGeom>
+          <a:solidFill>
+            <a:srgbClr val="D5D5D5"/>
+          </a:solidFill>
+          <a:ln w="3175">
+            <a:noFill/>
+          </a:ln>
+          <a:effectLst/>
+        </p:spPr>
+        <p:style>
+          <a:lnRef idx="2">
+            <a:schemeClr val="accent1">
+              <a:shade val="50000"/>
+            </a:schemeClr>
+          </a:lnRef>
+          <a:fillRef idx="1">
+            <a:schemeClr val="accent1"/>
+          </a:fillRef>
+          <a:effectRef idx="0">
+            <a:schemeClr val="accent1"/>
+          </a:effectRef>
+          <a:fontRef idx="minor">
+            <a:schemeClr val="lt1"/>
+          </a:fontRef>
+        </p:style>
+        <p:txBody>
+          <a:bodyPr rtlCol="0" anchor="ctr"/>
+          <a:lstStyle/>
+          <a:p>
+            <a:pPr algn="ctr"/>
+            <a:endParaRPr lang="en-US">
+              <a:solidFill>
+                <a:prstClr val="white"/>
+              </a:solidFill>
+              <a:latin typeface="Calibri" panose="020F0502020204030204"/>
+            </a:endParaRPr>
+          </a:p>
+        </p:txBody>
+      </p:sp>
+      <p:sp>
+        <p:nvSpPr>
+          <p:cNvPr id="8" name="Content Placeholder 7">
+            <a:extLst>
+              <a:ext uri="{FF2B5EF4-FFF2-40B4-BE49-F238E27FC236}">
+                <a16:creationId xmlns:a16="http://schemas.microsoft.com/office/drawing/2014/main" id="{7104B55E-18BE-405E-87BB-AA695409EB01}"/>
+              </a:ext>
+            </a:extLst>
+          </p:cNvPr>
+          <p:cNvSpPr>
+            <a:spLocks noGrp="1"/>
+          </p:cNvSpPr>
+          <p:nvPr>
+            <p:ph idx="1"/>
+          </p:nvPr>
+        </p:nvSpPr>
+        <p:spPr>
+          <a:xfrm>
+            <a:off x="5349240" y="549778"/>
+            <a:ext cx="6007608" cy="3391571"/>
+          </a:xfrm>
+        </p:spPr>
+        <p:txBody>
+          <a:bodyPr anchor="ctr">
+            <a:normAutofit/>
+          </a:bodyPr>
+          <a:lstStyle/>
+          <a:p>
+            <a:r>
+              <a:rPr lang="zh-CN" altLang="en-US" dirty="0"/>
+              <a:t>神经元按照层来布局。最左边的层叫做</a:t>
+            </a:r>
+            <a:r>
+              <a:rPr lang="zh-CN" altLang="en-US" b="1" dirty="0"/>
+              <a:t>输入层</a:t>
+            </a:r>
+            <a:r>
+              <a:rPr lang="zh-CN" altLang="en-US" dirty="0"/>
+              <a:t>，负责接收输入数据；最右边的层叫</a:t>
+            </a:r>
+            <a:r>
+              <a:rPr lang="zh-CN" altLang="en-US" b="1" dirty="0"/>
+              <a:t>输出层</a:t>
+            </a:r>
+            <a:r>
+              <a:rPr lang="zh-CN" altLang="en-US" dirty="0"/>
+              <a:t>，我们可以从这层获取神经网络输出数据。输入层和输出层之间的层叫做</a:t>
+            </a:r>
+            <a:r>
+              <a:rPr lang="zh-CN" altLang="en-US" b="1" dirty="0"/>
+              <a:t>隐藏层</a:t>
+            </a:r>
+            <a:r>
+              <a:rPr lang="zh-CN" altLang="en-US" dirty="0"/>
+              <a:t>，因为它们对于外部来说是不可见的。</a:t>
+            </a:r>
+            <a:endParaRPr lang="en-US" sz="1800" dirty="0"/>
+          </a:p>
+        </p:txBody>
+      </p:sp>
+      <p:sp>
+        <p:nvSpPr>
+          <p:cNvPr id="5" name="文本框 4">
+            <a:extLst>
+              <a:ext uri="{FF2B5EF4-FFF2-40B4-BE49-F238E27FC236}">
+                <a16:creationId xmlns:a16="http://schemas.microsoft.com/office/drawing/2014/main" id="{A4A0D4E4-8E8B-475C-AB58-12FF1ACB3E90}"/>
+              </a:ext>
+            </a:extLst>
+          </p:cNvPr>
+          <p:cNvSpPr txBox="1"/>
+          <p:nvPr/>
+        </p:nvSpPr>
+        <p:spPr>
+          <a:xfrm>
+            <a:off x="5648960" y="4218905"/>
+            <a:ext cx="5491480" cy="369332"/>
+          </a:xfrm>
+          <a:prstGeom prst="rect">
+            <a:avLst/>
+          </a:prstGeom>
+          <a:noFill/>
+        </p:spPr>
+        <p:txBody>
+          <a:bodyPr wrap="square" rtlCol="0">
+            <a:spAutoFit/>
+          </a:bodyPr>
+          <a:lstStyle/>
+          <a:p>
+            <a:r>
+              <a:rPr lang="zh-CN" altLang="en-US" dirty="0"/>
+              <a:t>激活函数：</a:t>
+            </a:r>
+            <a:r>
+              <a:rPr lang="en-US" altLang="zh-CN" dirty="0" err="1"/>
+              <a:t>Relu</a:t>
+            </a:r>
+            <a:r>
+              <a:rPr lang="zh-CN" altLang="en-US" dirty="0"/>
+              <a:t>、</a:t>
+            </a:r>
+            <a:r>
+              <a:rPr lang="en-US" altLang="zh-CN" dirty="0"/>
+              <a:t>sigmoid</a:t>
+            </a:r>
+            <a:r>
+              <a:rPr lang="zh-CN" altLang="en-US" dirty="0"/>
+              <a:t>等</a:t>
+            </a:r>
+          </a:p>
+        </p:txBody>
+      </p:sp>
+    </p:spTree>
+    <p:extLst>
+      <p:ext uri="{BB962C8B-B14F-4D97-AF65-F5344CB8AC3E}">
+        <p14:creationId xmlns:p14="http://schemas.microsoft.com/office/powerpoint/2010/main" val="3262250116"/>
+      </p:ext>
+    </p:extLst>
+  </p:cSld>
+  <p:clrMapOvr>
+    <a:masterClrMapping/>
+  </p:clrMapOvr>
+</p:sld>
+</file>
+
+<file path=ppt/slides/slide15.xml><?xml version="1.0" encoding="utf-8"?>
+<p:sld xmlns:a="http://schemas.openxmlformats.org/drawingml/2006/main" xmlns:r="http://schemas.openxmlformats.org/officeDocument/2006/relationships" xmlns:p="http://schemas.openxmlformats.org/presentationml/2006/main">
+  <p:cSld>
+    <p:spTree>
+      <p:nvGrpSpPr>
+        <p:cNvPr id="1" name=""/>
+        <p:cNvGrpSpPr/>
+        <p:nvPr/>
+      </p:nvGrpSpPr>
+      <p:grpSpPr>
+        <a:xfrm>
+          <a:off x="0" y="0"/>
+          <a:ext cx="0" cy="0"/>
+          <a:chOff x="0" y="0"/>
+          <a:chExt cx="0" cy="0"/>
+        </a:xfrm>
+      </p:grpSpPr>
+      <p:sp>
+        <p:nvSpPr>
+          <p:cNvPr id="2" name="标题 1">
+            <a:extLst>
+              <a:ext uri="{FF2B5EF4-FFF2-40B4-BE49-F238E27FC236}">
+                <a16:creationId xmlns:a16="http://schemas.microsoft.com/office/drawing/2014/main" id="{B9FFD934-765B-4866-8BA8-1788B79B850F}"/>
+              </a:ext>
+            </a:extLst>
+          </p:cNvPr>
+          <p:cNvSpPr>
+            <a:spLocks noGrp="1"/>
+          </p:cNvSpPr>
+          <p:nvPr>
+            <p:ph type="title"/>
+          </p:nvPr>
+        </p:nvSpPr>
+        <p:spPr/>
+        <p:txBody>
+          <a:bodyPr/>
+          <a:lstStyle/>
+          <a:p>
+            <a:r>
+              <a:rPr lang="en-US" altLang="zh-CN" dirty="0"/>
+              <a:t>BP</a:t>
+            </a:r>
+            <a:r>
+              <a:rPr lang="zh-CN" altLang="en-US" dirty="0"/>
+              <a:t>神经网络</a:t>
+            </a:r>
+          </a:p>
+        </p:txBody>
+      </p:sp>
+      <p:pic>
+        <p:nvPicPr>
+          <p:cNvPr id="1026" name="Picture 2">
+            <a:extLst>
+              <a:ext uri="{FF2B5EF4-FFF2-40B4-BE49-F238E27FC236}">
+                <a16:creationId xmlns:a16="http://schemas.microsoft.com/office/drawing/2014/main" id="{F519C4FE-370A-4DE0-B9E6-4CEC1EEE4E00}"/>
+              </a:ext>
+            </a:extLst>
+          </p:cNvPr>
+          <p:cNvPicPr>
+            <a:picLocks noGrp="1" noChangeAspect="1" noChangeArrowheads="1"/>
+          </p:cNvPicPr>
+          <p:nvPr>
+            <p:ph idx="1"/>
+          </p:nvPr>
+        </p:nvPicPr>
+        <p:blipFill>
+          <a:blip r:embed="rId2">
+            <a:extLst>
+              <a:ext uri="{28A0092B-C50C-407E-A947-70E740481C1C}">
+                <a14:useLocalDpi xmlns:a14="http://schemas.microsoft.com/office/drawing/2010/main" val="0"/>
+              </a:ext>
+            </a:extLst>
+          </a:blip>
+          <a:srcRect/>
+          <a:stretch>
+            <a:fillRect/>
+          </a:stretch>
+        </p:blipFill>
+        <p:spPr bwMode="auto">
+          <a:xfrm>
+            <a:off x="724426" y="1690688"/>
+            <a:ext cx="5033227" cy="4351338"/>
+          </a:xfrm>
+          <a:prstGeom prst="rect">
+            <a:avLst/>
+          </a:prstGeom>
+          <a:noFill/>
+          <a:extLst>
+            <a:ext uri="{909E8E84-426E-40DD-AFC4-6F175D3DCCD1}">
+              <a14:hiddenFill xmlns:a14="http://schemas.microsoft.com/office/drawing/2010/main">
+                <a:solidFill>
+                  <a:srgbClr val="FFFFFF"/>
+                </a:solidFill>
+              </a14:hiddenFill>
+            </a:ext>
+          </a:extLst>
+        </p:spPr>
+      </p:pic>
+      <p:pic>
+        <p:nvPicPr>
+          <p:cNvPr id="4" name="图片 3">
+            <a:extLst>
+              <a:ext uri="{FF2B5EF4-FFF2-40B4-BE49-F238E27FC236}">
+                <a16:creationId xmlns:a16="http://schemas.microsoft.com/office/drawing/2014/main" id="{EA569882-2F3B-446C-89BC-2C2C36193EA0}"/>
+              </a:ext>
+            </a:extLst>
+          </p:cNvPr>
+          <p:cNvPicPr>
+            <a:picLocks noChangeAspect="1"/>
+          </p:cNvPicPr>
+          <p:nvPr/>
+        </p:nvPicPr>
+        <p:blipFill>
+          <a:blip r:embed="rId3"/>
+          <a:stretch>
+            <a:fillRect/>
+          </a:stretch>
+        </p:blipFill>
+        <p:spPr>
+          <a:xfrm>
+            <a:off x="5757653" y="1601362"/>
+            <a:ext cx="6794849" cy="4203916"/>
+          </a:xfrm>
+          <a:prstGeom prst="rect">
+            <a:avLst/>
+          </a:prstGeom>
+        </p:spPr>
+      </p:pic>
+    </p:spTree>
+    <p:extLst>
+      <p:ext uri="{BB962C8B-B14F-4D97-AF65-F5344CB8AC3E}">
+        <p14:creationId xmlns:p14="http://schemas.microsoft.com/office/powerpoint/2010/main" val="1142711222"/>
+      </p:ext>
+    </p:extLst>
+  </p:cSld>
+  <p:clrMapOvr>
+    <a:masterClrMapping/>
+  </p:clrMapOvr>
+</p:sld>
+</file>
+
 <file path=ppt/slides/slide2.xml><?xml version="1.0" encoding="utf-8"?>
 <p:sld xmlns:a="http://schemas.openxmlformats.org/drawingml/2006/main" xmlns:r="http://schemas.openxmlformats.org/officeDocument/2006/relationships" xmlns:p="http://schemas.openxmlformats.org/presentationml/2006/main">
   <p:cSld>
@@ -4132,35 +5502,7 @@
                 <a:latin typeface="微软雅黑" panose="020B0503020204020204" pitchFamily="34" charset="-122"/>
                 <a:ea typeface="微软雅黑" panose="020B0503020204020204" pitchFamily="34" charset="-122"/>
               </a:rPr>
-              <a:t>：                     </a:t>
-            </a:r>
-            <a:r>
-              <a:rPr lang="en-US" altLang="zh-CN" dirty="0">
-                <a:latin typeface="微软雅黑" panose="020B0503020204020204" pitchFamily="34" charset="-122"/>
-                <a:ea typeface="微软雅黑" panose="020B0503020204020204" pitchFamily="34" charset="-122"/>
-              </a:rPr>
-              <a:t>N</a:t>
-            </a:r>
-            <a:r>
-              <a:rPr lang="en-US" altLang="zh-CN" baseline="30000" dirty="0">
-                <a:latin typeface="微软雅黑" panose="020B0503020204020204" pitchFamily="34" charset="-122"/>
-                <a:ea typeface="微软雅黑" panose="020B0503020204020204" pitchFamily="34" charset="-122"/>
-              </a:rPr>
-              <a:t>+</a:t>
-            </a:r>
-            <a:r>
-              <a:rPr lang="en-US" altLang="zh-CN" dirty="0">
-                <a:latin typeface="微软雅黑" panose="020B0503020204020204" pitchFamily="34" charset="-122"/>
-                <a:ea typeface="微软雅黑" panose="020B0503020204020204" pitchFamily="34" charset="-122"/>
-              </a:rPr>
-              <a:t>(Pi)</a:t>
-            </a:r>
-            <a:r>
-              <a:rPr lang="zh-CN" altLang="en-US" dirty="0">
-                <a:latin typeface="微软雅黑" panose="020B0503020204020204" pitchFamily="34" charset="-122"/>
-                <a:ea typeface="微软雅黑" panose="020B0503020204020204" pitchFamily="34" charset="-122"/>
-              </a:rPr>
-              <a:t>表示进化后的邻居集合。</a:t>
+              <a:t>：                 </a:t>
             </a:r>
             <a:endParaRPr lang="en-US" altLang="zh-CN" dirty="0">
               <a:latin typeface="微软雅黑" panose="020B0503020204020204" pitchFamily="34" charset="-122"/>
@@ -5739,74 +7081,1660 @@
           <a:chExt cx="0" cy="0"/>
         </a:xfrm>
       </p:grpSpPr>
-      <p:sp>
-        <p:nvSpPr>
-          <p:cNvPr id="2" name="标题 1">
-            <a:extLst>
-              <a:ext uri="{FF2B5EF4-FFF2-40B4-BE49-F238E27FC236}">
-                <a16:creationId xmlns:a16="http://schemas.microsoft.com/office/drawing/2014/main" id="{4E106144-DBD3-42D5-A024-7FCD2BDFFF82}"/>
-              </a:ext>
-            </a:extLst>
-          </p:cNvPr>
-          <p:cNvSpPr>
-            <a:spLocks noGrp="1"/>
-          </p:cNvSpPr>
-          <p:nvPr>
-            <p:ph type="title"/>
-          </p:nvPr>
-        </p:nvSpPr>
-        <p:spPr/>
-        <p:txBody>
-          <a:bodyPr/>
-          <a:lstStyle/>
-          <a:p>
-            <a:r>
-              <a:rPr lang="en-US" altLang="zh-CN" dirty="0" err="1"/>
-              <a:t>Evp</a:t>
-            </a:r>
-            <a:r>
-              <a:rPr lang="zh-CN" altLang="en-US" dirty="0"/>
-              <a:t>总体框架</a:t>
-            </a:r>
-          </a:p>
-        </p:txBody>
-      </p:sp>
-      <p:pic>
-        <p:nvPicPr>
-          <p:cNvPr id="4" name="内容占位符 3">
-            <a:extLst>
-              <a:ext uri="{FF2B5EF4-FFF2-40B4-BE49-F238E27FC236}">
-                <a16:creationId xmlns:a16="http://schemas.microsoft.com/office/drawing/2014/main" id="{1B443EA7-13F5-4B1E-A7F6-5468FFC88930}"/>
-              </a:ext>
-            </a:extLst>
-          </p:cNvPr>
-          <p:cNvPicPr>
-            <a:picLocks noGrp="1" noChangeAspect="1"/>
-          </p:cNvPicPr>
+      <p:graphicFrame>
+        <p:nvGraphicFramePr>
+          <p:cNvPr id="4" name="表格 4">
+            <a:extLst>
+              <a:ext uri="{FF2B5EF4-FFF2-40B4-BE49-F238E27FC236}">
+                <a16:creationId xmlns:a16="http://schemas.microsoft.com/office/drawing/2014/main" id="{37402B45-7F54-432C-870E-71ABBFEBB996}"/>
+              </a:ext>
+            </a:extLst>
+          </p:cNvPr>
+          <p:cNvGraphicFramePr>
+            <a:graphicFrameLocks noGrp="1"/>
+          </p:cNvGraphicFramePr>
           <p:nvPr>
             <p:ph idx="1"/>
-          </p:nvPr>
-        </p:nvPicPr>
-        <p:blipFill>
-          <a:blip r:embed="rId2"/>
-          <a:stretch>
-            <a:fillRect/>
-          </a:stretch>
-        </p:blipFill>
-        <p:spPr>
-          <a:xfrm>
-            <a:off x="3373396" y="1621739"/>
-            <a:ext cx="5001840" cy="4351338"/>
-          </a:xfrm>
-          <a:prstGeom prst="rect">
-            <a:avLst/>
-          </a:prstGeom>
-        </p:spPr>
-      </p:pic>
+            <p:extLst>
+              <p:ext uri="{D42A27DB-BD31-4B8C-83A1-F6EECF244321}">
+                <p14:modId xmlns:p14="http://schemas.microsoft.com/office/powerpoint/2010/main" val="39478939"/>
+              </p:ext>
+            </p:extLst>
+          </p:nvPr>
+        </p:nvGraphicFramePr>
+        <p:xfrm>
+          <a:off x="216243" y="-1"/>
+          <a:ext cx="11299034" cy="5955964"/>
+        </p:xfrm>
+        <a:graphic>
+          <a:graphicData uri="http://schemas.openxmlformats.org/drawingml/2006/table">
+            <a:tbl>
+              <a:tblPr firstRow="1" bandRow="1">
+                <a:tableStyleId>{7DF18680-E054-41AD-8BC1-D1AEF772440D}</a:tableStyleId>
+              </a:tblPr>
+              <a:tblGrid>
+                <a:gridCol w="2574374">
+                  <a:extLst>
+                    <a:ext uri="{9D8B030D-6E8A-4147-A177-3AD203B41FA5}">
+                      <a16:colId xmlns:a16="http://schemas.microsoft.com/office/drawing/2014/main" val="1087701585"/>
+                    </a:ext>
+                  </a:extLst>
+                </a:gridCol>
+                <a:gridCol w="1744932">
+                  <a:extLst>
+                    <a:ext uri="{9D8B030D-6E8A-4147-A177-3AD203B41FA5}">
+                      <a16:colId xmlns:a16="http://schemas.microsoft.com/office/drawing/2014/main" val="2853443063"/>
+                    </a:ext>
+                  </a:extLst>
+                </a:gridCol>
+                <a:gridCol w="1744932">
+                  <a:extLst>
+                    <a:ext uri="{9D8B030D-6E8A-4147-A177-3AD203B41FA5}">
+                      <a16:colId xmlns:a16="http://schemas.microsoft.com/office/drawing/2014/main" val="818119443"/>
+                    </a:ext>
+                  </a:extLst>
+                </a:gridCol>
+                <a:gridCol w="1744932">
+                  <a:extLst>
+                    <a:ext uri="{9D8B030D-6E8A-4147-A177-3AD203B41FA5}">
+                      <a16:colId xmlns:a16="http://schemas.microsoft.com/office/drawing/2014/main" val="3862887393"/>
+                    </a:ext>
+                  </a:extLst>
+                </a:gridCol>
+                <a:gridCol w="1744932">
+                  <a:extLst>
+                    <a:ext uri="{9D8B030D-6E8A-4147-A177-3AD203B41FA5}">
+                      <a16:colId xmlns:a16="http://schemas.microsoft.com/office/drawing/2014/main" val="1341432959"/>
+                    </a:ext>
+                  </a:extLst>
+                </a:gridCol>
+                <a:gridCol w="1744932">
+                  <a:extLst>
+                    <a:ext uri="{9D8B030D-6E8A-4147-A177-3AD203B41FA5}">
+                      <a16:colId xmlns:a16="http://schemas.microsoft.com/office/drawing/2014/main" val="1247882985"/>
+                    </a:ext>
+                  </a:extLst>
+                </a:gridCol>
+              </a:tblGrid>
+              <a:tr h="389244">
+                <a:tc>
+                  <a:txBody>
+                    <a:bodyPr/>
+                    <a:lstStyle/>
+                    <a:p>
+                      <a:endParaRPr lang="zh-CN" altLang="en-US" dirty="0"/>
+                    </a:p>
+                  </a:txBody>
+                  <a:tcPr/>
+                </a:tc>
+                <a:tc>
+                  <a:txBody>
+                    <a:bodyPr/>
+                    <a:lstStyle/>
+                    <a:p>
+                      <a:pPr algn="ctr"/>
+                      <a:r>
+                        <a:rPr lang="en-US" altLang="zh-CN" dirty="0"/>
+                        <a:t>GA</a:t>
+                      </a:r>
+                      <a:endParaRPr lang="zh-CN" altLang="en-US" dirty="0"/>
+                    </a:p>
+                  </a:txBody>
+                  <a:tcPr/>
+                </a:tc>
+                <a:tc>
+                  <a:txBody>
+                    <a:bodyPr/>
+                    <a:lstStyle/>
+                    <a:p>
+                      <a:pPr algn="ctr"/>
+                      <a:r>
+                        <a:rPr lang="en-US" altLang="zh-CN" dirty="0"/>
+                        <a:t>CMA-ES</a:t>
+                      </a:r>
+                      <a:endParaRPr lang="zh-CN" altLang="en-US" dirty="0"/>
+                    </a:p>
+                  </a:txBody>
+                  <a:tcPr/>
+                </a:tc>
+                <a:tc>
+                  <a:txBody>
+                    <a:bodyPr/>
+                    <a:lstStyle/>
+                    <a:p>
+                      <a:pPr algn="ctr"/>
+                      <a:r>
+                        <a:rPr lang="en-US" altLang="zh-CN" dirty="0" err="1"/>
+                        <a:t>CoDE</a:t>
+                      </a:r>
+                      <a:endParaRPr lang="zh-CN" altLang="en-US" dirty="0"/>
+                    </a:p>
+                  </a:txBody>
+                  <a:tcPr/>
+                </a:tc>
+                <a:tc>
+                  <a:txBody>
+                    <a:bodyPr/>
+                    <a:lstStyle/>
+                    <a:p>
+                      <a:pPr algn="ctr"/>
+                      <a:r>
+                        <a:rPr lang="en-US" altLang="zh-CN" dirty="0"/>
+                        <a:t>SPSO2011</a:t>
+                      </a:r>
+                      <a:endParaRPr lang="zh-CN" altLang="en-US" dirty="0"/>
+                    </a:p>
+                  </a:txBody>
+                  <a:tcPr/>
+                </a:tc>
+                <a:tc>
+                  <a:txBody>
+                    <a:bodyPr/>
+                    <a:lstStyle/>
+                    <a:p>
+                      <a:pPr algn="ctr"/>
+                      <a:r>
+                        <a:rPr lang="en-US" altLang="zh-CN" dirty="0"/>
+                        <a:t>ABC</a:t>
+                      </a:r>
+                      <a:endParaRPr lang="zh-CN" altLang="en-US" dirty="0"/>
+                    </a:p>
+                  </a:txBody>
+                  <a:tcPr/>
+                </a:tc>
+                <a:extLst>
+                  <a:ext uri="{0D108BD9-81ED-4DB2-BD59-A6C34878D82A}">
+                    <a16:rowId xmlns:a16="http://schemas.microsoft.com/office/drawing/2014/main" val="2902246066"/>
+                  </a:ext>
+                </a:extLst>
+              </a:tr>
+              <a:tr h="389244">
+                <a:tc>
+                  <a:txBody>
+                    <a:bodyPr/>
+                    <a:lstStyle/>
+                    <a:p>
+                      <a:pPr marL="0" algn="l" defTabSz="914400" rtl="0" eaLnBrk="1" latinLnBrk="0" hangingPunct="1"/>
+                      <a:r>
+                        <a:rPr lang="en-US" altLang="zh-CN" sz="1100" kern="1200" dirty="0"/>
+                        <a:t>Sphere Function</a:t>
+                      </a:r>
+                      <a:endParaRPr lang="zh-CN" altLang="en-US" sz="1100" kern="1200" dirty="0">
+                        <a:solidFill>
+                          <a:schemeClr val="dk1"/>
+                        </a:solidFill>
+                        <a:latin typeface="微软雅黑" panose="020B0503020204020204" pitchFamily="34" charset="-122"/>
+                        <a:ea typeface="微软雅黑" panose="020B0503020204020204" pitchFamily="34" charset="-122"/>
+                        <a:cs typeface="+mn-cs"/>
+                      </a:endParaRPr>
+                    </a:p>
+                  </a:txBody>
+                  <a:tcPr/>
+                </a:tc>
+                <a:tc>
+                  <a:txBody>
+                    <a:bodyPr/>
+                    <a:lstStyle/>
+                    <a:p>
+                      <a:pPr algn="ctr"/>
+                      <a:endParaRPr lang="zh-CN" altLang="en-US" dirty="0"/>
+                    </a:p>
+                  </a:txBody>
+                  <a:tcPr/>
+                </a:tc>
+                <a:tc>
+                  <a:txBody>
+                    <a:bodyPr/>
+                    <a:lstStyle/>
+                    <a:p>
+                      <a:pPr algn="ctr"/>
+                      <a:r>
+                        <a:rPr lang="zh-CN" altLang="en-US" dirty="0"/>
+                        <a:t>√</a:t>
+                      </a:r>
+                    </a:p>
+                  </a:txBody>
+                  <a:tcPr/>
+                </a:tc>
+                <a:tc>
+                  <a:txBody>
+                    <a:bodyPr/>
+                    <a:lstStyle/>
+                    <a:p>
+                      <a:pPr algn="ctr"/>
+                      <a:r>
+                        <a:rPr lang="zh-CN" altLang="en-US" dirty="0"/>
+                        <a:t>√</a:t>
+                      </a:r>
+                    </a:p>
+                  </a:txBody>
+                  <a:tcPr/>
+                </a:tc>
+                <a:tc>
+                  <a:txBody>
+                    <a:bodyPr/>
+                    <a:lstStyle/>
+                    <a:p>
+                      <a:pPr algn="ctr"/>
+                      <a:r>
+                        <a:rPr lang="zh-CN" altLang="en-US" dirty="0"/>
+                        <a:t>√</a:t>
+                      </a:r>
+                    </a:p>
+                  </a:txBody>
+                  <a:tcPr/>
+                </a:tc>
+                <a:tc>
+                  <a:txBody>
+                    <a:bodyPr/>
+                    <a:lstStyle/>
+                    <a:p>
+                      <a:pPr algn="ctr"/>
+                      <a:r>
+                        <a:rPr lang="zh-CN" altLang="en-US" dirty="0"/>
+                        <a:t>√</a:t>
+                      </a:r>
+                    </a:p>
+                  </a:txBody>
+                  <a:tcPr/>
+                </a:tc>
+                <a:extLst>
+                  <a:ext uri="{0D108BD9-81ED-4DB2-BD59-A6C34878D82A}">
+                    <a16:rowId xmlns:a16="http://schemas.microsoft.com/office/drawing/2014/main" val="3588240811"/>
+                  </a:ext>
+                </a:extLst>
+              </a:tr>
+              <a:tr h="389244">
+                <a:tc>
+                  <a:txBody>
+                    <a:bodyPr/>
+                    <a:lstStyle/>
+                    <a:p>
+                      <a:pPr marL="0" algn="l" defTabSz="914400" rtl="0" eaLnBrk="1" latinLnBrk="0" hangingPunct="1"/>
+                      <a:r>
+                        <a:rPr lang="en-US" altLang="zh-CN" sz="1100" kern="1200" dirty="0"/>
+                        <a:t>Elliptic Function</a:t>
+                      </a:r>
+                      <a:endParaRPr lang="zh-CN" altLang="en-US" sz="1100" kern="1200" dirty="0">
+                        <a:solidFill>
+                          <a:schemeClr val="dk1"/>
+                        </a:solidFill>
+                        <a:latin typeface="微软雅黑" panose="020B0503020204020204" pitchFamily="34" charset="-122"/>
+                        <a:ea typeface="微软雅黑" panose="020B0503020204020204" pitchFamily="34" charset="-122"/>
+                        <a:cs typeface="+mn-cs"/>
+                      </a:endParaRPr>
+                    </a:p>
+                  </a:txBody>
+                  <a:tcPr/>
+                </a:tc>
+                <a:tc>
+                  <a:txBody>
+                    <a:bodyPr/>
+                    <a:lstStyle/>
+                    <a:p>
+                      <a:pPr algn="ctr"/>
+                      <a:endParaRPr lang="zh-CN" altLang="en-US"/>
+                    </a:p>
+                  </a:txBody>
+                  <a:tcPr/>
+                </a:tc>
+                <a:tc>
+                  <a:txBody>
+                    <a:bodyPr/>
+                    <a:lstStyle/>
+                    <a:p>
+                      <a:pPr algn="ctr"/>
+                      <a:r>
+                        <a:rPr lang="zh-CN" altLang="en-US" dirty="0"/>
+                        <a:t>√</a:t>
+                      </a:r>
+                    </a:p>
+                  </a:txBody>
+                  <a:tcPr/>
+                </a:tc>
+                <a:tc>
+                  <a:txBody>
+                    <a:bodyPr/>
+                    <a:lstStyle/>
+                    <a:p>
+                      <a:pPr marL="0" marR="0" lvl="0" indent="0" algn="ctr" defTabSz="914400" rtl="0" eaLnBrk="1" fontAlgn="auto" latinLnBrk="0" hangingPunct="1">
+                        <a:lnSpc>
+                          <a:spcPct val="100000"/>
+                        </a:lnSpc>
+                        <a:spcBef>
+                          <a:spcPts val="0"/>
+                        </a:spcBef>
+                        <a:spcAft>
+                          <a:spcPts val="0"/>
+                        </a:spcAft>
+                        <a:buClrTx/>
+                        <a:buSzTx/>
+                        <a:buFontTx/>
+                        <a:buNone/>
+                        <a:tabLst/>
+                        <a:defRPr/>
+                      </a:pPr>
+                      <a:r>
+                        <a:rPr lang="zh-CN" altLang="en-US" dirty="0"/>
+                        <a:t>√</a:t>
+                      </a:r>
+                    </a:p>
+                  </a:txBody>
+                  <a:tcPr/>
+                </a:tc>
+                <a:tc>
+                  <a:txBody>
+                    <a:bodyPr/>
+                    <a:lstStyle/>
+                    <a:p>
+                      <a:pPr algn="ctr"/>
+                      <a:endParaRPr lang="zh-CN" altLang="en-US" dirty="0"/>
+                    </a:p>
+                  </a:txBody>
+                  <a:tcPr/>
+                </a:tc>
+                <a:tc>
+                  <a:txBody>
+                    <a:bodyPr/>
+                    <a:lstStyle/>
+                    <a:p>
+                      <a:pPr algn="ctr"/>
+                      <a:r>
+                        <a:rPr lang="zh-CN" altLang="en-US" dirty="0"/>
+                        <a:t>√</a:t>
+                      </a:r>
+                    </a:p>
+                  </a:txBody>
+                  <a:tcPr/>
+                </a:tc>
+                <a:extLst>
+                  <a:ext uri="{0D108BD9-81ED-4DB2-BD59-A6C34878D82A}">
+                    <a16:rowId xmlns:a16="http://schemas.microsoft.com/office/drawing/2014/main" val="636579712"/>
+                  </a:ext>
+                </a:extLst>
+              </a:tr>
+              <a:tr h="389244">
+                <a:tc>
+                  <a:txBody>
+                    <a:bodyPr/>
+                    <a:lstStyle/>
+                    <a:p>
+                      <a:pPr marL="0" algn="l" defTabSz="914400" rtl="0" eaLnBrk="1" latinLnBrk="0" hangingPunct="1"/>
+                      <a:r>
+                        <a:rPr lang="en-US" altLang="zh-CN" sz="1100" kern="1200" dirty="0"/>
+                        <a:t>Bent Cigar Function</a:t>
+                      </a:r>
+                      <a:endParaRPr lang="zh-CN" altLang="en-US" sz="1100" kern="1200" dirty="0">
+                        <a:solidFill>
+                          <a:schemeClr val="dk1"/>
+                        </a:solidFill>
+                        <a:latin typeface="微软雅黑" panose="020B0503020204020204" pitchFamily="34" charset="-122"/>
+                        <a:ea typeface="微软雅黑" panose="020B0503020204020204" pitchFamily="34" charset="-122"/>
+                        <a:cs typeface="+mn-cs"/>
+                      </a:endParaRPr>
+                    </a:p>
+                  </a:txBody>
+                  <a:tcPr/>
+                </a:tc>
+                <a:tc>
+                  <a:txBody>
+                    <a:bodyPr/>
+                    <a:lstStyle/>
+                    <a:p>
+                      <a:pPr algn="ctr"/>
+                      <a:endParaRPr lang="zh-CN" altLang="en-US"/>
+                    </a:p>
+                  </a:txBody>
+                  <a:tcPr/>
+                </a:tc>
+                <a:tc>
+                  <a:txBody>
+                    <a:bodyPr/>
+                    <a:lstStyle/>
+                    <a:p>
+                      <a:pPr algn="ctr"/>
+                      <a:r>
+                        <a:rPr lang="zh-CN" altLang="en-US" dirty="0"/>
+                        <a:t>√</a:t>
+                      </a:r>
+                    </a:p>
+                  </a:txBody>
+                  <a:tcPr/>
+                </a:tc>
+                <a:tc>
+                  <a:txBody>
+                    <a:bodyPr/>
+                    <a:lstStyle/>
+                    <a:p>
+                      <a:pPr algn="ctr"/>
+                      <a:r>
+                        <a:rPr lang="zh-CN" altLang="en-US" dirty="0"/>
+                        <a:t>√</a:t>
+                      </a:r>
+                    </a:p>
+                  </a:txBody>
+                  <a:tcPr/>
+                </a:tc>
+                <a:tc>
+                  <a:txBody>
+                    <a:bodyPr/>
+                    <a:lstStyle/>
+                    <a:p>
+                      <a:pPr algn="ctr"/>
+                      <a:endParaRPr lang="zh-CN" altLang="en-US" dirty="0"/>
+                    </a:p>
+                  </a:txBody>
+                  <a:tcPr/>
+                </a:tc>
+                <a:tc>
+                  <a:txBody>
+                    <a:bodyPr/>
+                    <a:lstStyle/>
+                    <a:p>
+                      <a:pPr algn="ctr"/>
+                      <a:r>
+                        <a:rPr lang="zh-CN" altLang="en-US" dirty="0"/>
+                        <a:t>√</a:t>
+                      </a:r>
+                    </a:p>
+                  </a:txBody>
+                  <a:tcPr/>
+                </a:tc>
+                <a:extLst>
+                  <a:ext uri="{0D108BD9-81ED-4DB2-BD59-A6C34878D82A}">
+                    <a16:rowId xmlns:a16="http://schemas.microsoft.com/office/drawing/2014/main" val="3933017239"/>
+                  </a:ext>
+                </a:extLst>
+              </a:tr>
+              <a:tr h="389244">
+                <a:tc>
+                  <a:txBody>
+                    <a:bodyPr/>
+                    <a:lstStyle/>
+                    <a:p>
+                      <a:pPr marL="0" algn="l" defTabSz="914400" rtl="0" eaLnBrk="1" latinLnBrk="0" hangingPunct="1"/>
+                      <a:r>
+                        <a:rPr lang="en-US" altLang="zh-CN" sz="1100" kern="1200" dirty="0"/>
+                        <a:t>Discus Function</a:t>
+                      </a:r>
+                      <a:endParaRPr lang="zh-CN" altLang="en-US" sz="1100" kern="1200" dirty="0">
+                        <a:solidFill>
+                          <a:schemeClr val="dk1"/>
+                        </a:solidFill>
+                        <a:latin typeface="微软雅黑" panose="020B0503020204020204" pitchFamily="34" charset="-122"/>
+                        <a:ea typeface="微软雅黑" panose="020B0503020204020204" pitchFamily="34" charset="-122"/>
+                        <a:cs typeface="+mn-cs"/>
+                      </a:endParaRPr>
+                    </a:p>
+                  </a:txBody>
+                  <a:tcPr/>
+                </a:tc>
+                <a:tc>
+                  <a:txBody>
+                    <a:bodyPr/>
+                    <a:lstStyle/>
+                    <a:p>
+                      <a:pPr algn="ctr"/>
+                      <a:endParaRPr lang="zh-CN" altLang="en-US"/>
+                    </a:p>
+                  </a:txBody>
+                  <a:tcPr/>
+                </a:tc>
+                <a:tc>
+                  <a:txBody>
+                    <a:bodyPr/>
+                    <a:lstStyle/>
+                    <a:p>
+                      <a:pPr algn="ctr"/>
+                      <a:r>
+                        <a:rPr lang="zh-CN" altLang="en-US" dirty="0"/>
+                        <a:t>√</a:t>
+                      </a:r>
+                    </a:p>
+                  </a:txBody>
+                  <a:tcPr/>
+                </a:tc>
+                <a:tc>
+                  <a:txBody>
+                    <a:bodyPr/>
+                    <a:lstStyle/>
+                    <a:p>
+                      <a:pPr algn="ctr"/>
+                      <a:r>
+                        <a:rPr lang="zh-CN" altLang="en-US" dirty="0"/>
+                        <a:t>√</a:t>
+                      </a:r>
+                    </a:p>
+                  </a:txBody>
+                  <a:tcPr/>
+                </a:tc>
+                <a:tc>
+                  <a:txBody>
+                    <a:bodyPr/>
+                    <a:lstStyle/>
+                    <a:p>
+                      <a:pPr algn="ctr"/>
+                      <a:endParaRPr lang="zh-CN" altLang="en-US" dirty="0"/>
+                    </a:p>
+                  </a:txBody>
+                  <a:tcPr/>
+                </a:tc>
+                <a:tc>
+                  <a:txBody>
+                    <a:bodyPr/>
+                    <a:lstStyle/>
+                    <a:p>
+                      <a:pPr algn="ctr"/>
+                      <a:r>
+                        <a:rPr lang="zh-CN" altLang="en-US" dirty="0"/>
+                        <a:t>√</a:t>
+                      </a:r>
+                    </a:p>
+                  </a:txBody>
+                  <a:tcPr/>
+                </a:tc>
+                <a:extLst>
+                  <a:ext uri="{0D108BD9-81ED-4DB2-BD59-A6C34878D82A}">
+                    <a16:rowId xmlns:a16="http://schemas.microsoft.com/office/drawing/2014/main" val="924580972"/>
+                  </a:ext>
+                </a:extLst>
+              </a:tr>
+              <a:tr h="447896">
+                <a:tc>
+                  <a:txBody>
+                    <a:bodyPr/>
+                    <a:lstStyle/>
+                    <a:p>
+                      <a:pPr marL="0" algn="l" defTabSz="914400" rtl="0" eaLnBrk="1" latinLnBrk="0" hangingPunct="1"/>
+                      <a:r>
+                        <a:rPr lang="en-US" altLang="zh-CN" sz="1100" kern="1200" dirty="0"/>
+                        <a:t>Different Powers Function</a:t>
+                      </a:r>
+                      <a:endParaRPr lang="zh-CN" altLang="en-US" sz="1100" kern="1200" dirty="0">
+                        <a:solidFill>
+                          <a:schemeClr val="dk1"/>
+                        </a:solidFill>
+                        <a:latin typeface="微软雅黑" panose="020B0503020204020204" pitchFamily="34" charset="-122"/>
+                        <a:ea typeface="微软雅黑" panose="020B0503020204020204" pitchFamily="34" charset="-122"/>
+                        <a:cs typeface="+mn-cs"/>
+                      </a:endParaRPr>
+                    </a:p>
+                  </a:txBody>
+                  <a:tcPr/>
+                </a:tc>
+                <a:tc>
+                  <a:txBody>
+                    <a:bodyPr/>
+                    <a:lstStyle/>
+                    <a:p>
+                      <a:pPr algn="ctr"/>
+                      <a:endParaRPr lang="zh-CN" altLang="en-US"/>
+                    </a:p>
+                  </a:txBody>
+                  <a:tcPr/>
+                </a:tc>
+                <a:tc>
+                  <a:txBody>
+                    <a:bodyPr/>
+                    <a:lstStyle/>
+                    <a:p>
+                      <a:pPr algn="ctr"/>
+                      <a:r>
+                        <a:rPr lang="zh-CN" altLang="en-US" dirty="0"/>
+                        <a:t>√</a:t>
+                      </a:r>
+                    </a:p>
+                  </a:txBody>
+                  <a:tcPr/>
+                </a:tc>
+                <a:tc>
+                  <a:txBody>
+                    <a:bodyPr/>
+                    <a:lstStyle/>
+                    <a:p>
+                      <a:pPr algn="ctr"/>
+                      <a:r>
+                        <a:rPr lang="zh-CN" altLang="en-US" dirty="0"/>
+                        <a:t>√</a:t>
+                      </a:r>
+                    </a:p>
+                  </a:txBody>
+                  <a:tcPr/>
+                </a:tc>
+                <a:tc>
+                  <a:txBody>
+                    <a:bodyPr/>
+                    <a:lstStyle/>
+                    <a:p>
+                      <a:pPr algn="ctr"/>
+                      <a:endParaRPr lang="zh-CN" altLang="en-US" dirty="0"/>
+                    </a:p>
+                  </a:txBody>
+                  <a:tcPr/>
+                </a:tc>
+                <a:tc>
+                  <a:txBody>
+                    <a:bodyPr/>
+                    <a:lstStyle/>
+                    <a:p>
+                      <a:pPr algn="ctr"/>
+                      <a:r>
+                        <a:rPr lang="zh-CN" altLang="en-US" dirty="0"/>
+                        <a:t>√</a:t>
+                      </a:r>
+                    </a:p>
+                  </a:txBody>
+                  <a:tcPr/>
+                </a:tc>
+                <a:extLst>
+                  <a:ext uri="{0D108BD9-81ED-4DB2-BD59-A6C34878D82A}">
+                    <a16:rowId xmlns:a16="http://schemas.microsoft.com/office/drawing/2014/main" val="3607041441"/>
+                  </a:ext>
+                </a:extLst>
+              </a:tr>
+              <a:tr h="447896">
+                <a:tc>
+                  <a:txBody>
+                    <a:bodyPr/>
+                    <a:lstStyle/>
+                    <a:p>
+                      <a:pPr marL="0" algn="l" defTabSz="914400" rtl="0" eaLnBrk="1" latinLnBrk="0" hangingPunct="1"/>
+                      <a:r>
+                        <a:rPr lang="en-US" altLang="zh-CN" sz="1100" kern="1200" dirty="0" err="1"/>
+                        <a:t>Rosenbrock’s</a:t>
+                      </a:r>
+                      <a:r>
+                        <a:rPr lang="en-US" altLang="zh-CN" sz="1100" kern="1200" dirty="0"/>
+                        <a:t> Function</a:t>
+                      </a:r>
+                      <a:endParaRPr lang="zh-CN" altLang="en-US" sz="1100" kern="1200" dirty="0">
+                        <a:solidFill>
+                          <a:schemeClr val="dk1"/>
+                        </a:solidFill>
+                        <a:latin typeface="微软雅黑" panose="020B0503020204020204" pitchFamily="34" charset="-122"/>
+                        <a:ea typeface="微软雅黑" panose="020B0503020204020204" pitchFamily="34" charset="-122"/>
+                        <a:cs typeface="+mn-cs"/>
+                      </a:endParaRPr>
+                    </a:p>
+                  </a:txBody>
+                  <a:tcPr/>
+                </a:tc>
+                <a:tc>
+                  <a:txBody>
+                    <a:bodyPr/>
+                    <a:lstStyle/>
+                    <a:p>
+                      <a:pPr algn="ctr"/>
+                      <a:endParaRPr lang="zh-CN" altLang="en-US"/>
+                    </a:p>
+                  </a:txBody>
+                  <a:tcPr/>
+                </a:tc>
+                <a:tc>
+                  <a:txBody>
+                    <a:bodyPr/>
+                    <a:lstStyle/>
+                    <a:p>
+                      <a:pPr algn="ctr"/>
+                      <a:r>
+                        <a:rPr lang="zh-CN" altLang="en-US" dirty="0"/>
+                        <a:t>√</a:t>
+                      </a:r>
+                    </a:p>
+                  </a:txBody>
+                  <a:tcPr/>
+                </a:tc>
+                <a:tc>
+                  <a:txBody>
+                    <a:bodyPr/>
+                    <a:lstStyle/>
+                    <a:p>
+                      <a:pPr algn="ctr"/>
+                      <a:r>
+                        <a:rPr lang="zh-CN" altLang="en-US" dirty="0"/>
+                        <a:t>√</a:t>
+                      </a:r>
+                    </a:p>
+                  </a:txBody>
+                  <a:tcPr/>
+                </a:tc>
+                <a:tc>
+                  <a:txBody>
+                    <a:bodyPr/>
+                    <a:lstStyle/>
+                    <a:p>
+                      <a:pPr algn="ctr"/>
+                      <a:endParaRPr lang="zh-CN" altLang="en-US" dirty="0"/>
+                    </a:p>
+                  </a:txBody>
+                  <a:tcPr/>
+                </a:tc>
+                <a:tc>
+                  <a:txBody>
+                    <a:bodyPr/>
+                    <a:lstStyle/>
+                    <a:p>
+                      <a:pPr algn="ctr"/>
+                      <a:endParaRPr lang="zh-CN" altLang="en-US" dirty="0"/>
+                    </a:p>
+                  </a:txBody>
+                  <a:tcPr/>
+                </a:tc>
+                <a:extLst>
+                  <a:ext uri="{0D108BD9-81ED-4DB2-BD59-A6C34878D82A}">
+                    <a16:rowId xmlns:a16="http://schemas.microsoft.com/office/drawing/2014/main" val="2958515640"/>
+                  </a:ext>
+                </a:extLst>
+              </a:tr>
+              <a:tr h="389244">
+                <a:tc>
+                  <a:txBody>
+                    <a:bodyPr/>
+                    <a:lstStyle/>
+                    <a:p>
+                      <a:pPr marL="0" algn="l" defTabSz="914400" rtl="0" eaLnBrk="1" latinLnBrk="0" hangingPunct="1"/>
+                      <a:r>
+                        <a:rPr lang="en-US" altLang="zh-CN" sz="1100" kern="1200" dirty="0" err="1"/>
+                        <a:t>Schaffers</a:t>
+                      </a:r>
+                      <a:r>
+                        <a:rPr lang="en-US" altLang="zh-CN" sz="1100" kern="1200" dirty="0"/>
+                        <a:t> Function</a:t>
+                      </a:r>
+                      <a:endParaRPr lang="zh-CN" altLang="en-US" sz="1100" kern="1200" dirty="0">
+                        <a:solidFill>
+                          <a:schemeClr val="dk1"/>
+                        </a:solidFill>
+                        <a:latin typeface="微软雅黑" panose="020B0503020204020204" pitchFamily="34" charset="-122"/>
+                        <a:ea typeface="微软雅黑" panose="020B0503020204020204" pitchFamily="34" charset="-122"/>
+                        <a:cs typeface="+mn-cs"/>
+                      </a:endParaRPr>
+                    </a:p>
+                  </a:txBody>
+                  <a:tcPr/>
+                </a:tc>
+                <a:tc>
+                  <a:txBody>
+                    <a:bodyPr/>
+                    <a:lstStyle/>
+                    <a:p>
+                      <a:pPr algn="ctr"/>
+                      <a:endParaRPr lang="zh-CN" altLang="en-US"/>
+                    </a:p>
+                  </a:txBody>
+                  <a:tcPr/>
+                </a:tc>
+                <a:tc>
+                  <a:txBody>
+                    <a:bodyPr/>
+                    <a:lstStyle/>
+                    <a:p>
+                      <a:pPr algn="ctr"/>
+                      <a:endParaRPr lang="zh-CN" altLang="en-US" dirty="0"/>
+                    </a:p>
+                  </a:txBody>
+                  <a:tcPr/>
+                </a:tc>
+                <a:tc>
+                  <a:txBody>
+                    <a:bodyPr/>
+                    <a:lstStyle/>
+                    <a:p>
+                      <a:pPr marL="0" marR="0" lvl="0" indent="0" algn="ctr" defTabSz="914400" rtl="0" eaLnBrk="1" fontAlgn="auto" latinLnBrk="0" hangingPunct="1">
+                        <a:lnSpc>
+                          <a:spcPct val="100000"/>
+                        </a:lnSpc>
+                        <a:spcBef>
+                          <a:spcPts val="0"/>
+                        </a:spcBef>
+                        <a:spcAft>
+                          <a:spcPts val="0"/>
+                        </a:spcAft>
+                        <a:buClrTx/>
+                        <a:buSzTx/>
+                        <a:buFontTx/>
+                        <a:buNone/>
+                        <a:tabLst/>
+                        <a:defRPr/>
+                      </a:pPr>
+                      <a:r>
+                        <a:rPr lang="zh-CN" altLang="en-US" dirty="0"/>
+                        <a:t>√</a:t>
+                      </a:r>
+                    </a:p>
+                  </a:txBody>
+                  <a:tcPr/>
+                </a:tc>
+                <a:tc>
+                  <a:txBody>
+                    <a:bodyPr/>
+                    <a:lstStyle/>
+                    <a:p>
+                      <a:pPr algn="ctr"/>
+                      <a:endParaRPr lang="zh-CN" altLang="en-US" dirty="0"/>
+                    </a:p>
+                  </a:txBody>
+                  <a:tcPr/>
+                </a:tc>
+                <a:tc>
+                  <a:txBody>
+                    <a:bodyPr/>
+                    <a:lstStyle/>
+                    <a:p>
+                      <a:pPr marL="0" marR="0" lvl="0" indent="0" algn="ctr" defTabSz="914400" rtl="0" eaLnBrk="1" fontAlgn="auto" latinLnBrk="0" hangingPunct="1">
+                        <a:lnSpc>
+                          <a:spcPct val="100000"/>
+                        </a:lnSpc>
+                        <a:spcBef>
+                          <a:spcPts val="0"/>
+                        </a:spcBef>
+                        <a:spcAft>
+                          <a:spcPts val="0"/>
+                        </a:spcAft>
+                        <a:buClrTx/>
+                        <a:buSzTx/>
+                        <a:buFontTx/>
+                        <a:buNone/>
+                        <a:tabLst/>
+                        <a:defRPr/>
+                      </a:pPr>
+                      <a:r>
+                        <a:rPr lang="zh-CN" altLang="en-US" dirty="0"/>
+                        <a:t>√</a:t>
+                      </a:r>
+                    </a:p>
+                  </a:txBody>
+                  <a:tcPr/>
+                </a:tc>
+                <a:extLst>
+                  <a:ext uri="{0D108BD9-81ED-4DB2-BD59-A6C34878D82A}">
+                    <a16:rowId xmlns:a16="http://schemas.microsoft.com/office/drawing/2014/main" val="881197852"/>
+                  </a:ext>
+                </a:extLst>
+              </a:tr>
+              <a:tr h="389244">
+                <a:tc>
+                  <a:txBody>
+                    <a:bodyPr/>
+                    <a:lstStyle/>
+                    <a:p>
+                      <a:pPr marL="0" algn="l" defTabSz="914400" rtl="0" eaLnBrk="1" latinLnBrk="0" hangingPunct="1"/>
+                      <a:r>
+                        <a:rPr lang="en-US" altLang="zh-CN" sz="1100" kern="1200" dirty="0"/>
+                        <a:t>Ackley’s Function</a:t>
+                      </a:r>
+                      <a:endParaRPr lang="zh-CN" altLang="en-US" sz="1100" kern="1200" dirty="0">
+                        <a:solidFill>
+                          <a:schemeClr val="dk1"/>
+                        </a:solidFill>
+                        <a:latin typeface="微软雅黑" panose="020B0503020204020204" pitchFamily="34" charset="-122"/>
+                        <a:ea typeface="微软雅黑" panose="020B0503020204020204" pitchFamily="34" charset="-122"/>
+                        <a:cs typeface="+mn-cs"/>
+                      </a:endParaRPr>
+                    </a:p>
+                  </a:txBody>
+                  <a:tcPr/>
+                </a:tc>
+                <a:tc>
+                  <a:txBody>
+                    <a:bodyPr/>
+                    <a:lstStyle/>
+                    <a:p>
+                      <a:pPr marL="0" marR="0" lvl="0" indent="0" algn="ctr" defTabSz="914400" rtl="0" eaLnBrk="1" fontAlgn="auto" latinLnBrk="0" hangingPunct="1">
+                        <a:lnSpc>
+                          <a:spcPct val="100000"/>
+                        </a:lnSpc>
+                        <a:spcBef>
+                          <a:spcPts val="0"/>
+                        </a:spcBef>
+                        <a:spcAft>
+                          <a:spcPts val="0"/>
+                        </a:spcAft>
+                        <a:buClrTx/>
+                        <a:buSzTx/>
+                        <a:buFontTx/>
+                        <a:buNone/>
+                        <a:tabLst/>
+                        <a:defRPr/>
+                      </a:pPr>
+                      <a:r>
+                        <a:rPr lang="zh-CN" altLang="en-US" dirty="0"/>
+                        <a:t>√</a:t>
+                      </a:r>
+                    </a:p>
+                  </a:txBody>
+                  <a:tcPr/>
+                </a:tc>
+                <a:tc>
+                  <a:txBody>
+                    <a:bodyPr/>
+                    <a:lstStyle/>
+                    <a:p>
+                      <a:pPr algn="ctr"/>
+                      <a:endParaRPr lang="zh-CN" altLang="en-US" dirty="0"/>
+                    </a:p>
+                  </a:txBody>
+                  <a:tcPr/>
+                </a:tc>
+                <a:tc>
+                  <a:txBody>
+                    <a:bodyPr/>
+                    <a:lstStyle/>
+                    <a:p>
+                      <a:pPr algn="ctr"/>
+                      <a:endParaRPr lang="zh-CN" altLang="en-US" dirty="0"/>
+                    </a:p>
+                  </a:txBody>
+                  <a:tcPr/>
+                </a:tc>
+                <a:tc>
+                  <a:txBody>
+                    <a:bodyPr/>
+                    <a:lstStyle/>
+                    <a:p>
+                      <a:pPr algn="ctr"/>
+                      <a:endParaRPr lang="zh-CN" altLang="en-US" dirty="0"/>
+                    </a:p>
+                  </a:txBody>
+                  <a:tcPr/>
+                </a:tc>
+                <a:tc>
+                  <a:txBody>
+                    <a:bodyPr/>
+                    <a:lstStyle/>
+                    <a:p>
+                      <a:pPr algn="ctr"/>
+                      <a:r>
+                        <a:rPr lang="zh-CN" altLang="en-US" dirty="0"/>
+                        <a:t>√</a:t>
+                      </a:r>
+                    </a:p>
+                  </a:txBody>
+                  <a:tcPr/>
+                </a:tc>
+                <a:extLst>
+                  <a:ext uri="{0D108BD9-81ED-4DB2-BD59-A6C34878D82A}">
+                    <a16:rowId xmlns:a16="http://schemas.microsoft.com/office/drawing/2014/main" val="1089919950"/>
+                  </a:ext>
+                </a:extLst>
+              </a:tr>
+              <a:tr h="389244">
+                <a:tc>
+                  <a:txBody>
+                    <a:bodyPr/>
+                    <a:lstStyle/>
+                    <a:p>
+                      <a:pPr marL="0" algn="l" defTabSz="914400" rtl="0" eaLnBrk="1" latinLnBrk="0" hangingPunct="1"/>
+                      <a:r>
+                        <a:rPr lang="en-US" altLang="zh-CN" sz="1100" dirty="0" err="1"/>
+                        <a:t>Weierstrass</a:t>
+                      </a:r>
+                      <a:r>
+                        <a:rPr lang="en-US" altLang="zh-CN" sz="1100" dirty="0"/>
+                        <a:t> Function</a:t>
+                      </a:r>
+                      <a:endParaRPr lang="zh-CN" altLang="en-US" sz="1100" kern="1200" dirty="0">
+                        <a:solidFill>
+                          <a:schemeClr val="dk1"/>
+                        </a:solidFill>
+                        <a:latin typeface="微软雅黑" panose="020B0503020204020204" pitchFamily="34" charset="-122"/>
+                        <a:ea typeface="微软雅黑" panose="020B0503020204020204" pitchFamily="34" charset="-122"/>
+                        <a:cs typeface="+mn-cs"/>
+                      </a:endParaRPr>
+                    </a:p>
+                  </a:txBody>
+                  <a:tcPr/>
+                </a:tc>
+                <a:tc>
+                  <a:txBody>
+                    <a:bodyPr/>
+                    <a:lstStyle/>
+                    <a:p>
+                      <a:pPr algn="ctr"/>
+                      <a:endParaRPr lang="zh-CN" altLang="en-US" dirty="0"/>
+                    </a:p>
+                  </a:txBody>
+                  <a:tcPr/>
+                </a:tc>
+                <a:tc>
+                  <a:txBody>
+                    <a:bodyPr/>
+                    <a:lstStyle/>
+                    <a:p>
+                      <a:pPr algn="ctr"/>
+                      <a:endParaRPr lang="zh-CN" altLang="en-US"/>
+                    </a:p>
+                  </a:txBody>
+                  <a:tcPr/>
+                </a:tc>
+                <a:tc>
+                  <a:txBody>
+                    <a:bodyPr/>
+                    <a:lstStyle/>
+                    <a:p>
+                      <a:pPr algn="ctr"/>
+                      <a:endParaRPr lang="zh-CN" altLang="en-US"/>
+                    </a:p>
+                  </a:txBody>
+                  <a:tcPr/>
+                </a:tc>
+                <a:tc>
+                  <a:txBody>
+                    <a:bodyPr/>
+                    <a:lstStyle/>
+                    <a:p>
+                      <a:pPr algn="ctr"/>
+                      <a:endParaRPr lang="zh-CN" altLang="en-US" dirty="0"/>
+                    </a:p>
+                  </a:txBody>
+                  <a:tcPr/>
+                </a:tc>
+                <a:tc>
+                  <a:txBody>
+                    <a:bodyPr/>
+                    <a:lstStyle/>
+                    <a:p>
+                      <a:pPr algn="ctr"/>
+                      <a:r>
+                        <a:rPr lang="zh-CN" altLang="en-US" dirty="0"/>
+                        <a:t>√</a:t>
+                      </a:r>
+                    </a:p>
+                  </a:txBody>
+                  <a:tcPr/>
+                </a:tc>
+                <a:extLst>
+                  <a:ext uri="{0D108BD9-81ED-4DB2-BD59-A6C34878D82A}">
+                    <a16:rowId xmlns:a16="http://schemas.microsoft.com/office/drawing/2014/main" val="697366660"/>
+                  </a:ext>
+                </a:extLst>
+              </a:tr>
+              <a:tr h="389244">
+                <a:tc>
+                  <a:txBody>
+                    <a:bodyPr/>
+                    <a:lstStyle/>
+                    <a:p>
+                      <a:pPr marL="0" algn="l" defTabSz="914400" rtl="0" eaLnBrk="1" latinLnBrk="0" hangingPunct="1"/>
+                      <a:r>
+                        <a:rPr lang="en-US" altLang="zh-CN" sz="1100" kern="1200" dirty="0" err="1"/>
+                        <a:t>Griewank’s</a:t>
+                      </a:r>
+                      <a:r>
+                        <a:rPr lang="en-US" altLang="zh-CN" sz="1100" kern="1200" dirty="0"/>
+                        <a:t> Function</a:t>
+                      </a:r>
+                      <a:endParaRPr lang="zh-CN" altLang="en-US" sz="1100" kern="1200" dirty="0">
+                        <a:solidFill>
+                          <a:schemeClr val="dk1"/>
+                        </a:solidFill>
+                        <a:latin typeface="微软雅黑" panose="020B0503020204020204" pitchFamily="34" charset="-122"/>
+                        <a:ea typeface="微软雅黑" panose="020B0503020204020204" pitchFamily="34" charset="-122"/>
+                        <a:cs typeface="+mn-cs"/>
+                      </a:endParaRPr>
+                    </a:p>
+                  </a:txBody>
+                  <a:tcPr/>
+                </a:tc>
+                <a:tc>
+                  <a:txBody>
+                    <a:bodyPr/>
+                    <a:lstStyle/>
+                    <a:p>
+                      <a:pPr algn="ctr"/>
+                      <a:endParaRPr lang="zh-CN" altLang="en-US"/>
+                    </a:p>
+                  </a:txBody>
+                  <a:tcPr/>
+                </a:tc>
+                <a:tc>
+                  <a:txBody>
+                    <a:bodyPr/>
+                    <a:lstStyle/>
+                    <a:p>
+                      <a:pPr algn="ctr"/>
+                      <a:endParaRPr lang="zh-CN" altLang="en-US"/>
+                    </a:p>
+                  </a:txBody>
+                  <a:tcPr/>
+                </a:tc>
+                <a:tc>
+                  <a:txBody>
+                    <a:bodyPr/>
+                    <a:lstStyle/>
+                    <a:p>
+                      <a:pPr marL="0" marR="0" lvl="0" indent="0" algn="ctr" defTabSz="914400" rtl="0" eaLnBrk="1" fontAlgn="auto" latinLnBrk="0" hangingPunct="1">
+                        <a:lnSpc>
+                          <a:spcPct val="100000"/>
+                        </a:lnSpc>
+                        <a:spcBef>
+                          <a:spcPts val="0"/>
+                        </a:spcBef>
+                        <a:spcAft>
+                          <a:spcPts val="0"/>
+                        </a:spcAft>
+                        <a:buClrTx/>
+                        <a:buSzTx/>
+                        <a:buFontTx/>
+                        <a:buNone/>
+                        <a:tabLst/>
+                        <a:defRPr/>
+                      </a:pPr>
+                      <a:r>
+                        <a:rPr lang="zh-CN" altLang="en-US" dirty="0"/>
+                        <a:t>√</a:t>
+                      </a:r>
+                    </a:p>
+                  </a:txBody>
+                  <a:tcPr/>
+                </a:tc>
+                <a:tc>
+                  <a:txBody>
+                    <a:bodyPr/>
+                    <a:lstStyle/>
+                    <a:p>
+                      <a:pPr marL="0" marR="0" lvl="0" indent="0" algn="ctr" defTabSz="914400" rtl="0" eaLnBrk="1" fontAlgn="auto" latinLnBrk="0" hangingPunct="1">
+                        <a:lnSpc>
+                          <a:spcPct val="100000"/>
+                        </a:lnSpc>
+                        <a:spcBef>
+                          <a:spcPts val="0"/>
+                        </a:spcBef>
+                        <a:spcAft>
+                          <a:spcPts val="0"/>
+                        </a:spcAft>
+                        <a:buClrTx/>
+                        <a:buSzTx/>
+                        <a:buFontTx/>
+                        <a:buNone/>
+                        <a:tabLst/>
+                        <a:defRPr/>
+                      </a:pPr>
+                      <a:r>
+                        <a:rPr lang="zh-CN" altLang="en-US" dirty="0"/>
+                        <a:t>√</a:t>
+                      </a:r>
+                    </a:p>
+                  </a:txBody>
+                  <a:tcPr/>
+                </a:tc>
+                <a:tc>
+                  <a:txBody>
+                    <a:bodyPr/>
+                    <a:lstStyle/>
+                    <a:p>
+                      <a:pPr algn="ctr"/>
+                      <a:r>
+                        <a:rPr lang="zh-CN" altLang="en-US" dirty="0"/>
+                        <a:t>√</a:t>
+                      </a:r>
+                    </a:p>
+                  </a:txBody>
+                  <a:tcPr/>
+                </a:tc>
+                <a:extLst>
+                  <a:ext uri="{0D108BD9-81ED-4DB2-BD59-A6C34878D82A}">
+                    <a16:rowId xmlns:a16="http://schemas.microsoft.com/office/drawing/2014/main" val="1878195981"/>
+                  </a:ext>
+                </a:extLst>
+              </a:tr>
+              <a:tr h="389244">
+                <a:tc>
+                  <a:txBody>
+                    <a:bodyPr/>
+                    <a:lstStyle/>
+                    <a:p>
+                      <a:pPr marL="0" algn="l" defTabSz="914400" rtl="0" eaLnBrk="1" latinLnBrk="0" hangingPunct="1"/>
+                      <a:r>
+                        <a:rPr lang="en-US" altLang="zh-CN" sz="1100" kern="1200" dirty="0" err="1"/>
+                        <a:t>Rastrigin’s</a:t>
+                      </a:r>
+                      <a:r>
+                        <a:rPr lang="en-US" altLang="zh-CN" sz="1100" kern="1200" dirty="0"/>
+                        <a:t> Function </a:t>
+                      </a:r>
+                      <a:endParaRPr lang="zh-CN" altLang="en-US" sz="1100" kern="1200" dirty="0">
+                        <a:solidFill>
+                          <a:schemeClr val="dk1"/>
+                        </a:solidFill>
+                        <a:latin typeface="微软雅黑" panose="020B0503020204020204" pitchFamily="34" charset="-122"/>
+                        <a:ea typeface="微软雅黑" panose="020B0503020204020204" pitchFamily="34" charset="-122"/>
+                        <a:cs typeface="+mn-cs"/>
+                      </a:endParaRPr>
+                    </a:p>
+                  </a:txBody>
+                  <a:tcPr/>
+                </a:tc>
+                <a:tc>
+                  <a:txBody>
+                    <a:bodyPr/>
+                    <a:lstStyle/>
+                    <a:p>
+                      <a:pPr algn="ctr"/>
+                      <a:endParaRPr lang="zh-CN" altLang="en-US"/>
+                    </a:p>
+                  </a:txBody>
+                  <a:tcPr/>
+                </a:tc>
+                <a:tc>
+                  <a:txBody>
+                    <a:bodyPr/>
+                    <a:lstStyle/>
+                    <a:p>
+                      <a:pPr algn="ctr"/>
+                      <a:endParaRPr lang="zh-CN" altLang="en-US"/>
+                    </a:p>
+                  </a:txBody>
+                  <a:tcPr/>
+                </a:tc>
+                <a:tc>
+                  <a:txBody>
+                    <a:bodyPr/>
+                    <a:lstStyle/>
+                    <a:p>
+                      <a:pPr algn="ctr"/>
+                      <a:r>
+                        <a:rPr lang="zh-CN" altLang="en-US" dirty="0"/>
+                        <a:t>√</a:t>
+                      </a:r>
+                    </a:p>
+                  </a:txBody>
+                  <a:tcPr/>
+                </a:tc>
+                <a:tc>
+                  <a:txBody>
+                    <a:bodyPr/>
+                    <a:lstStyle/>
+                    <a:p>
+                      <a:pPr algn="ctr"/>
+                      <a:endParaRPr lang="zh-CN" altLang="en-US" dirty="0"/>
+                    </a:p>
+                  </a:txBody>
+                  <a:tcPr/>
+                </a:tc>
+                <a:tc>
+                  <a:txBody>
+                    <a:bodyPr/>
+                    <a:lstStyle/>
+                    <a:p>
+                      <a:pPr algn="ctr"/>
+                      <a:r>
+                        <a:rPr lang="zh-CN" altLang="en-US" dirty="0"/>
+                        <a:t>√</a:t>
+                      </a:r>
+                    </a:p>
+                  </a:txBody>
+                  <a:tcPr/>
+                </a:tc>
+                <a:extLst>
+                  <a:ext uri="{0D108BD9-81ED-4DB2-BD59-A6C34878D82A}">
+                    <a16:rowId xmlns:a16="http://schemas.microsoft.com/office/drawing/2014/main" val="937511718"/>
+                  </a:ext>
+                </a:extLst>
+              </a:tr>
+              <a:tr h="389244">
+                <a:tc>
+                  <a:txBody>
+                    <a:bodyPr/>
+                    <a:lstStyle/>
+                    <a:p>
+                      <a:pPr marL="0" algn="l" defTabSz="914400" rtl="0" eaLnBrk="1" latinLnBrk="0" hangingPunct="1"/>
+                      <a:r>
+                        <a:rPr lang="en-US" altLang="zh-CN" sz="1100" kern="1200" dirty="0" err="1"/>
+                        <a:t>Schwefel’s</a:t>
+                      </a:r>
+                      <a:r>
+                        <a:rPr lang="en-US" altLang="zh-CN" sz="1100" kern="1200" dirty="0"/>
+                        <a:t> Function </a:t>
+                      </a:r>
+                      <a:endParaRPr lang="zh-CN" altLang="en-US" sz="1100" kern="1200" dirty="0">
+                        <a:solidFill>
+                          <a:schemeClr val="dk1"/>
+                        </a:solidFill>
+                        <a:latin typeface="微软雅黑" panose="020B0503020204020204" pitchFamily="34" charset="-122"/>
+                        <a:ea typeface="微软雅黑" panose="020B0503020204020204" pitchFamily="34" charset="-122"/>
+                        <a:cs typeface="+mn-cs"/>
+                      </a:endParaRPr>
+                    </a:p>
+                  </a:txBody>
+                  <a:tcPr/>
+                </a:tc>
+                <a:tc>
+                  <a:txBody>
+                    <a:bodyPr/>
+                    <a:lstStyle/>
+                    <a:p>
+                      <a:pPr marL="0" marR="0" lvl="0" indent="0" algn="ctr" defTabSz="914400" rtl="0" eaLnBrk="1" fontAlgn="auto" latinLnBrk="0" hangingPunct="1">
+                        <a:lnSpc>
+                          <a:spcPct val="100000"/>
+                        </a:lnSpc>
+                        <a:spcBef>
+                          <a:spcPts val="0"/>
+                        </a:spcBef>
+                        <a:spcAft>
+                          <a:spcPts val="0"/>
+                        </a:spcAft>
+                        <a:buClrTx/>
+                        <a:buSzTx/>
+                        <a:buFontTx/>
+                        <a:buNone/>
+                        <a:tabLst/>
+                        <a:defRPr/>
+                      </a:pPr>
+                      <a:r>
+                        <a:rPr lang="zh-CN" altLang="en-US" dirty="0"/>
+                        <a:t>√</a:t>
+                      </a:r>
+                    </a:p>
+                  </a:txBody>
+                  <a:tcPr/>
+                </a:tc>
+                <a:tc>
+                  <a:txBody>
+                    <a:bodyPr/>
+                    <a:lstStyle/>
+                    <a:p>
+                      <a:pPr algn="ctr"/>
+                      <a:endParaRPr lang="zh-CN" altLang="en-US" dirty="0"/>
+                    </a:p>
+                  </a:txBody>
+                  <a:tcPr/>
+                </a:tc>
+                <a:tc>
+                  <a:txBody>
+                    <a:bodyPr/>
+                    <a:lstStyle/>
+                    <a:p>
+                      <a:pPr algn="ctr"/>
+                      <a:endParaRPr lang="zh-CN" altLang="en-US" dirty="0"/>
+                    </a:p>
+                  </a:txBody>
+                  <a:tcPr/>
+                </a:tc>
+                <a:tc>
+                  <a:txBody>
+                    <a:bodyPr/>
+                    <a:lstStyle/>
+                    <a:p>
+                      <a:pPr algn="ctr"/>
+                      <a:endParaRPr lang="zh-CN" altLang="en-US" dirty="0"/>
+                    </a:p>
+                  </a:txBody>
+                  <a:tcPr/>
+                </a:tc>
+                <a:tc>
+                  <a:txBody>
+                    <a:bodyPr/>
+                    <a:lstStyle/>
+                    <a:p>
+                      <a:pPr marL="0" marR="0" lvl="0" indent="0" algn="ctr" defTabSz="914400" rtl="0" eaLnBrk="1" fontAlgn="auto" latinLnBrk="0" hangingPunct="1">
+                        <a:lnSpc>
+                          <a:spcPct val="100000"/>
+                        </a:lnSpc>
+                        <a:spcBef>
+                          <a:spcPts val="0"/>
+                        </a:spcBef>
+                        <a:spcAft>
+                          <a:spcPts val="0"/>
+                        </a:spcAft>
+                        <a:buClrTx/>
+                        <a:buSzTx/>
+                        <a:buFontTx/>
+                        <a:buNone/>
+                        <a:tabLst/>
+                        <a:defRPr/>
+                      </a:pPr>
+                      <a:r>
+                        <a:rPr lang="zh-CN" altLang="en-US" dirty="0"/>
+                        <a:t>√</a:t>
+                      </a:r>
+                    </a:p>
+                  </a:txBody>
+                  <a:tcPr/>
+                </a:tc>
+                <a:extLst>
+                  <a:ext uri="{0D108BD9-81ED-4DB2-BD59-A6C34878D82A}">
+                    <a16:rowId xmlns:a16="http://schemas.microsoft.com/office/drawing/2014/main" val="2354499226"/>
+                  </a:ext>
+                </a:extLst>
+              </a:tr>
+              <a:tr h="389244">
+                <a:tc>
+                  <a:txBody>
+                    <a:bodyPr/>
+                    <a:lstStyle/>
+                    <a:p>
+                      <a:pPr marL="0" algn="l" defTabSz="914400" rtl="0" eaLnBrk="1" latinLnBrk="0" hangingPunct="1"/>
+                      <a:r>
+                        <a:rPr lang="en-US" altLang="zh-CN" sz="1100" kern="1200" dirty="0" err="1"/>
+                        <a:t>Katsuura</a:t>
+                      </a:r>
+                      <a:r>
+                        <a:rPr lang="en-US" altLang="zh-CN" sz="1100" kern="1200" dirty="0"/>
+                        <a:t> Function </a:t>
+                      </a:r>
+                      <a:endParaRPr lang="zh-CN" altLang="en-US" sz="1100" kern="1200" dirty="0">
+                        <a:solidFill>
+                          <a:schemeClr val="dk1"/>
+                        </a:solidFill>
+                        <a:latin typeface="微软雅黑" panose="020B0503020204020204" pitchFamily="34" charset="-122"/>
+                        <a:ea typeface="微软雅黑" panose="020B0503020204020204" pitchFamily="34" charset="-122"/>
+                        <a:cs typeface="+mn-cs"/>
+                      </a:endParaRPr>
+                    </a:p>
+                  </a:txBody>
+                  <a:tcPr/>
+                </a:tc>
+                <a:tc>
+                  <a:txBody>
+                    <a:bodyPr/>
+                    <a:lstStyle/>
+                    <a:p>
+                      <a:pPr marL="0" marR="0" lvl="0" indent="0" algn="ctr" defTabSz="914400" rtl="0" eaLnBrk="1" fontAlgn="auto" latinLnBrk="0" hangingPunct="1">
+                        <a:lnSpc>
+                          <a:spcPct val="100000"/>
+                        </a:lnSpc>
+                        <a:spcBef>
+                          <a:spcPts val="0"/>
+                        </a:spcBef>
+                        <a:spcAft>
+                          <a:spcPts val="0"/>
+                        </a:spcAft>
+                        <a:buClrTx/>
+                        <a:buSzTx/>
+                        <a:buFontTx/>
+                        <a:buNone/>
+                        <a:tabLst/>
+                        <a:defRPr/>
+                      </a:pPr>
+                      <a:r>
+                        <a:rPr lang="zh-CN" altLang="en-US" dirty="0"/>
+                        <a:t>√</a:t>
+                      </a:r>
+                    </a:p>
+                  </a:txBody>
+                  <a:tcPr/>
+                </a:tc>
+                <a:tc>
+                  <a:txBody>
+                    <a:bodyPr/>
+                    <a:lstStyle/>
+                    <a:p>
+                      <a:pPr algn="ctr"/>
+                      <a:endParaRPr lang="zh-CN" altLang="en-US" dirty="0"/>
+                    </a:p>
+                  </a:txBody>
+                  <a:tcPr/>
+                </a:tc>
+                <a:tc>
+                  <a:txBody>
+                    <a:bodyPr/>
+                    <a:lstStyle/>
+                    <a:p>
+                      <a:pPr algn="ctr"/>
+                      <a:endParaRPr lang="zh-CN" altLang="en-US" dirty="0"/>
+                    </a:p>
+                  </a:txBody>
+                  <a:tcPr/>
+                </a:tc>
+                <a:tc>
+                  <a:txBody>
+                    <a:bodyPr/>
+                    <a:lstStyle/>
+                    <a:p>
+                      <a:pPr algn="ctr"/>
+                      <a:endParaRPr lang="zh-CN" altLang="en-US" dirty="0"/>
+                    </a:p>
+                  </a:txBody>
+                  <a:tcPr/>
+                </a:tc>
+                <a:tc>
+                  <a:txBody>
+                    <a:bodyPr/>
+                    <a:lstStyle/>
+                    <a:p>
+                      <a:pPr algn="ctr"/>
+                      <a:endParaRPr lang="zh-CN" altLang="en-US" dirty="0"/>
+                    </a:p>
+                  </a:txBody>
+                  <a:tcPr/>
+                </a:tc>
+                <a:extLst>
+                  <a:ext uri="{0D108BD9-81ED-4DB2-BD59-A6C34878D82A}">
+                    <a16:rowId xmlns:a16="http://schemas.microsoft.com/office/drawing/2014/main" val="3002457909"/>
+                  </a:ext>
+                </a:extLst>
+              </a:tr>
+              <a:tr h="389244">
+                <a:tc>
+                  <a:txBody>
+                    <a:bodyPr/>
+                    <a:lstStyle/>
+                    <a:p>
+                      <a:pPr marL="0" algn="l" defTabSz="914400" rtl="0" eaLnBrk="1" latinLnBrk="0" hangingPunct="1"/>
+                      <a:r>
+                        <a:rPr lang="en-US" altLang="zh-CN" sz="1100" kern="1200" dirty="0"/>
+                        <a:t>Radar Function </a:t>
+                      </a:r>
+                      <a:endParaRPr lang="zh-CN" altLang="en-US" sz="1100" kern="1200" dirty="0">
+                        <a:solidFill>
+                          <a:schemeClr val="dk1"/>
+                        </a:solidFill>
+                        <a:latin typeface="微软雅黑" panose="020B0503020204020204" pitchFamily="34" charset="-122"/>
+                        <a:ea typeface="微软雅黑" panose="020B0503020204020204" pitchFamily="34" charset="-122"/>
+                        <a:cs typeface="+mn-cs"/>
+                      </a:endParaRPr>
+                    </a:p>
+                  </a:txBody>
+                  <a:tcPr/>
+                </a:tc>
+                <a:tc>
+                  <a:txBody>
+                    <a:bodyPr/>
+                    <a:lstStyle/>
+                    <a:p>
+                      <a:pPr algn="ctr"/>
+                      <a:endParaRPr lang="zh-CN" altLang="en-US" dirty="0"/>
+                    </a:p>
+                  </a:txBody>
+                  <a:tcPr/>
+                </a:tc>
+                <a:tc>
+                  <a:txBody>
+                    <a:bodyPr/>
+                    <a:lstStyle/>
+                    <a:p>
+                      <a:pPr marL="0" marR="0" lvl="0" indent="0" algn="ctr" defTabSz="914400" rtl="0" eaLnBrk="1" fontAlgn="auto" latinLnBrk="0" hangingPunct="1">
+                        <a:lnSpc>
+                          <a:spcPct val="100000"/>
+                        </a:lnSpc>
+                        <a:spcBef>
+                          <a:spcPts val="0"/>
+                        </a:spcBef>
+                        <a:spcAft>
+                          <a:spcPts val="0"/>
+                        </a:spcAft>
+                        <a:buClrTx/>
+                        <a:buSzTx/>
+                        <a:buFontTx/>
+                        <a:buNone/>
+                        <a:tabLst/>
+                        <a:defRPr/>
+                      </a:pPr>
+                      <a:r>
+                        <a:rPr lang="zh-CN" altLang="en-US" dirty="0"/>
+                        <a:t>√</a:t>
+                      </a:r>
+                    </a:p>
+                  </a:txBody>
+                  <a:tcPr/>
+                </a:tc>
+                <a:tc>
+                  <a:txBody>
+                    <a:bodyPr/>
+                    <a:lstStyle/>
+                    <a:p>
+                      <a:pPr marL="0" marR="0" lvl="0" indent="0" algn="ctr" defTabSz="914400" rtl="0" eaLnBrk="1" fontAlgn="auto" latinLnBrk="0" hangingPunct="1">
+                        <a:lnSpc>
+                          <a:spcPct val="100000"/>
+                        </a:lnSpc>
+                        <a:spcBef>
+                          <a:spcPts val="0"/>
+                        </a:spcBef>
+                        <a:spcAft>
+                          <a:spcPts val="0"/>
+                        </a:spcAft>
+                        <a:buClrTx/>
+                        <a:buSzTx/>
+                        <a:buFontTx/>
+                        <a:buNone/>
+                        <a:tabLst/>
+                        <a:defRPr/>
+                      </a:pPr>
+                      <a:r>
+                        <a:rPr lang="zh-CN" altLang="en-US" dirty="0"/>
+                        <a:t>√</a:t>
+                      </a:r>
+                    </a:p>
+                  </a:txBody>
+                  <a:tcPr/>
+                </a:tc>
+                <a:tc>
+                  <a:txBody>
+                    <a:bodyPr/>
+                    <a:lstStyle/>
+                    <a:p>
+                      <a:pPr algn="ctr"/>
+                      <a:endParaRPr lang="zh-CN" altLang="en-US" dirty="0"/>
+                    </a:p>
+                  </a:txBody>
+                  <a:tcPr/>
+                </a:tc>
+                <a:tc>
+                  <a:txBody>
+                    <a:bodyPr/>
+                    <a:lstStyle/>
+                    <a:p>
+                      <a:pPr algn="ctr"/>
+                      <a:endParaRPr lang="zh-CN" altLang="en-US" dirty="0"/>
+                    </a:p>
+                  </a:txBody>
+                  <a:tcPr/>
+                </a:tc>
+                <a:extLst>
+                  <a:ext uri="{0D108BD9-81ED-4DB2-BD59-A6C34878D82A}">
+                    <a16:rowId xmlns:a16="http://schemas.microsoft.com/office/drawing/2014/main" val="4098506959"/>
+                  </a:ext>
+                </a:extLst>
+              </a:tr>
+            </a:tbl>
+          </a:graphicData>
+        </a:graphic>
+      </p:graphicFrame>
     </p:spTree>
     <p:extLst>
       <p:ext uri="{BB962C8B-B14F-4D97-AF65-F5344CB8AC3E}">
-        <p14:creationId xmlns:p14="http://schemas.microsoft.com/office/powerpoint/2010/main" val="2958391325"/>
+        <p14:creationId xmlns:p14="http://schemas.microsoft.com/office/powerpoint/2010/main" val="1101594783"/>
       </p:ext>
     </p:extLst>
   </p:cSld>
